--- a/docs/SE420_Sverdrup_Leffler_DiPinto_Velarde.pptx
+++ b/docs/SE420_Sverdrup_Leffler_DiPinto_Velarde.pptx
@@ -5,36 +5,39 @@
     <p:sldMasterId id="2147483714" r:id="rId1"/>
   </p:sldMasterIdLst>
   <p:notesMasterIdLst>
-    <p:notesMasterId r:id="rId29"/>
+    <p:notesMasterId r:id="rId32"/>
   </p:notesMasterIdLst>
   <p:sldIdLst>
     <p:sldId id="256" r:id="rId2"/>
     <p:sldId id="257" r:id="rId3"/>
-    <p:sldId id="258" r:id="rId4"/>
-    <p:sldId id="259" r:id="rId5"/>
-    <p:sldId id="273" r:id="rId6"/>
-    <p:sldId id="260" r:id="rId7"/>
-    <p:sldId id="261" r:id="rId8"/>
-    <p:sldId id="264" r:id="rId9"/>
-    <p:sldId id="277" r:id="rId10"/>
-    <p:sldId id="279" r:id="rId11"/>
-    <p:sldId id="280" r:id="rId12"/>
-    <p:sldId id="272" r:id="rId13"/>
-    <p:sldId id="282" r:id="rId14"/>
-    <p:sldId id="281" r:id="rId15"/>
-    <p:sldId id="263" r:id="rId16"/>
-    <p:sldId id="283" r:id="rId17"/>
-    <p:sldId id="265" r:id="rId18"/>
-    <p:sldId id="266" r:id="rId19"/>
-    <p:sldId id="271" r:id="rId20"/>
-    <p:sldId id="270" r:id="rId21"/>
-    <p:sldId id="267" r:id="rId22"/>
-    <p:sldId id="268" r:id="rId23"/>
-    <p:sldId id="274" r:id="rId24"/>
-    <p:sldId id="276" r:id="rId25"/>
-    <p:sldId id="275" r:id="rId26"/>
-    <p:sldId id="278" r:id="rId27"/>
-    <p:sldId id="262" r:id="rId28"/>
+    <p:sldId id="284" r:id="rId4"/>
+    <p:sldId id="285" r:id="rId5"/>
+    <p:sldId id="286" r:id="rId6"/>
+    <p:sldId id="258" r:id="rId7"/>
+    <p:sldId id="259" r:id="rId8"/>
+    <p:sldId id="273" r:id="rId9"/>
+    <p:sldId id="260" r:id="rId10"/>
+    <p:sldId id="261" r:id="rId11"/>
+    <p:sldId id="264" r:id="rId12"/>
+    <p:sldId id="277" r:id="rId13"/>
+    <p:sldId id="279" r:id="rId14"/>
+    <p:sldId id="280" r:id="rId15"/>
+    <p:sldId id="272" r:id="rId16"/>
+    <p:sldId id="282" r:id="rId17"/>
+    <p:sldId id="281" r:id="rId18"/>
+    <p:sldId id="263" r:id="rId19"/>
+    <p:sldId id="283" r:id="rId20"/>
+    <p:sldId id="265" r:id="rId21"/>
+    <p:sldId id="266" r:id="rId22"/>
+    <p:sldId id="271" r:id="rId23"/>
+    <p:sldId id="270" r:id="rId24"/>
+    <p:sldId id="267" r:id="rId25"/>
+    <p:sldId id="268" r:id="rId26"/>
+    <p:sldId id="274" r:id="rId27"/>
+    <p:sldId id="276" r:id="rId28"/>
+    <p:sldId id="275" r:id="rId29"/>
+    <p:sldId id="278" r:id="rId30"/>
+    <p:sldId id="262" r:id="rId31"/>
   </p:sldIdLst>
   <p:sldSz cx="12192000" cy="6858000"/>
   <p:notesSz cx="6858000" cy="9144000"/>
@@ -575,7 +578,7 @@
           <a:p>
             <a:fld id="{93F2E513-C545-534F-9383-9C27F821AB42}" type="slidenum">
               <a:rPr lang="en-US" smtClean="0"/>
-              <a:t>12</a:t>
+              <a:t>15</a:t>
             </a:fld>
             <a:endParaRPr lang="en-US"/>
           </a:p>
@@ -659,7 +662,7 @@
           <a:p>
             <a:fld id="{93F2E513-C545-534F-9383-9C27F821AB42}" type="slidenum">
               <a:rPr lang="en-US" smtClean="0"/>
-              <a:t>13</a:t>
+              <a:t>16</a:t>
             </a:fld>
             <a:endParaRPr lang="en-US"/>
           </a:p>
@@ -751,7 +754,7 @@
           <a:p>
             <a:fld id="{93F2E513-C545-534F-9383-9C27F821AB42}" type="slidenum">
               <a:rPr lang="en-US" smtClean="0"/>
-              <a:t>15</a:t>
+              <a:t>18</a:t>
             </a:fld>
             <a:endParaRPr lang="en-US"/>
           </a:p>
@@ -835,7 +838,7 @@
           <a:p>
             <a:fld id="{93F2E513-C545-534F-9383-9C27F821AB42}" type="slidenum">
               <a:rPr lang="en-US" smtClean="0"/>
-              <a:t>23</a:t>
+              <a:t>26</a:t>
             </a:fld>
             <a:endParaRPr lang="en-US"/>
           </a:p>
@@ -6135,6 +6138,346 @@
             <p:ph type="title"/>
           </p:nvPr>
         </p:nvSpPr>
+        <p:spPr/>
+        <p:txBody>
+          <a:bodyPr/>
+          <a:lstStyle/>
+          <a:p>
+            <a:r>
+              <a:rPr lang="en-US" dirty="0"/>
+              <a:t>Integration and test plans</a:t>
+            </a:r>
+          </a:p>
+        </p:txBody>
+      </p:sp>
+      <p:sp>
+        <p:nvSpPr>
+          <p:cNvPr id="3" name="Content Placeholder 2"/>
+          <p:cNvSpPr>
+            <a:spLocks noGrp="1"/>
+          </p:cNvSpPr>
+          <p:nvPr>
+            <p:ph idx="1"/>
+          </p:nvPr>
+        </p:nvSpPr>
+        <p:spPr/>
+        <p:txBody>
+          <a:bodyPr/>
+          <a:lstStyle/>
+          <a:p>
+            <a:endParaRPr lang="en-US"/>
+          </a:p>
+        </p:txBody>
+      </p:sp>
+      <p:sp>
+        <p:nvSpPr>
+          <p:cNvPr id="4" name="Slide Number Placeholder 3"/>
+          <p:cNvSpPr>
+            <a:spLocks noGrp="1"/>
+          </p:cNvSpPr>
+          <p:nvPr>
+            <p:ph type="sldNum" sz="quarter" idx="12"/>
+          </p:nvPr>
+        </p:nvSpPr>
+        <p:spPr/>
+        <p:txBody>
+          <a:bodyPr/>
+          <a:lstStyle/>
+          <a:p>
+            <a:fld id="{74AB3515-C793-E547-AD4E-3226D67B40C1}" type="slidenum">
+              <a:rPr lang="en-US" smtClean="0"/>
+              <a:t>10</a:t>
+            </a:fld>
+            <a:endParaRPr lang="en-US"/>
+          </a:p>
+        </p:txBody>
+      </p:sp>
+    </p:spTree>
+    <p:extLst>
+      <p:ext uri="{BB962C8B-B14F-4D97-AF65-F5344CB8AC3E}">
+        <p14:creationId xmlns:p14="http://schemas.microsoft.com/office/powerpoint/2010/main" val="506810031"/>
+      </p:ext>
+    </p:extLst>
+  </p:cSld>
+  <p:clrMapOvr>
+    <a:masterClrMapping/>
+  </p:clrMapOvr>
+</p:sld>
+</file>
+
+<file path=ppt/slides/slide11.xml><?xml version="1.0" encoding="utf-8"?>
+<p:sld xmlns:a="http://schemas.openxmlformats.org/drawingml/2006/main" xmlns:r="http://schemas.openxmlformats.org/officeDocument/2006/relationships" xmlns:p="http://schemas.openxmlformats.org/presentationml/2006/main">
+  <p:cSld>
+    <p:spTree>
+      <p:nvGrpSpPr>
+        <p:cNvPr id="1" name=""/>
+        <p:cNvGrpSpPr/>
+        <p:nvPr/>
+      </p:nvGrpSpPr>
+      <p:grpSpPr>
+        <a:xfrm>
+          <a:off x="0" y="0"/>
+          <a:ext cx="0" cy="0"/>
+          <a:chOff x="0" y="0"/>
+          <a:chExt cx="0" cy="0"/>
+        </a:xfrm>
+      </p:grpSpPr>
+      <p:sp>
+        <p:nvSpPr>
+          <p:cNvPr id="2" name="Title 1"/>
+          <p:cNvSpPr>
+            <a:spLocks noGrp="1"/>
+          </p:cNvSpPr>
+          <p:nvPr>
+            <p:ph type="title"/>
+          </p:nvPr>
+        </p:nvSpPr>
+        <p:spPr/>
+        <p:txBody>
+          <a:bodyPr/>
+          <a:lstStyle/>
+          <a:p>
+            <a:r>
+              <a:rPr lang="en-US" dirty="0"/>
+              <a:t>Stress, performance, soak, and negative test summary</a:t>
+            </a:r>
+          </a:p>
+        </p:txBody>
+      </p:sp>
+      <p:sp>
+        <p:nvSpPr>
+          <p:cNvPr id="3" name="Content Placeholder 2"/>
+          <p:cNvSpPr>
+            <a:spLocks noGrp="1"/>
+          </p:cNvSpPr>
+          <p:nvPr>
+            <p:ph idx="1"/>
+          </p:nvPr>
+        </p:nvSpPr>
+        <p:spPr/>
+        <p:txBody>
+          <a:bodyPr/>
+          <a:lstStyle/>
+          <a:p>
+            <a:endParaRPr lang="en-US"/>
+          </a:p>
+        </p:txBody>
+      </p:sp>
+      <p:sp>
+        <p:nvSpPr>
+          <p:cNvPr id="4" name="Slide Number Placeholder 3"/>
+          <p:cNvSpPr>
+            <a:spLocks noGrp="1"/>
+          </p:cNvSpPr>
+          <p:nvPr>
+            <p:ph type="sldNum" sz="quarter" idx="12"/>
+          </p:nvPr>
+        </p:nvSpPr>
+        <p:spPr/>
+        <p:txBody>
+          <a:bodyPr/>
+          <a:lstStyle/>
+          <a:p>
+            <a:fld id="{74AB3515-C793-E547-AD4E-3226D67B40C1}" type="slidenum">
+              <a:rPr lang="en-US" smtClean="0"/>
+              <a:t>11</a:t>
+            </a:fld>
+            <a:endParaRPr lang="en-US"/>
+          </a:p>
+        </p:txBody>
+      </p:sp>
+    </p:spTree>
+    <p:extLst>
+      <p:ext uri="{BB962C8B-B14F-4D97-AF65-F5344CB8AC3E}">
+        <p14:creationId xmlns:p14="http://schemas.microsoft.com/office/powerpoint/2010/main" val="1074261509"/>
+      </p:ext>
+    </p:extLst>
+  </p:cSld>
+  <p:clrMapOvr>
+    <a:masterClrMapping/>
+  </p:clrMapOvr>
+</p:sld>
+</file>
+
+<file path=ppt/slides/slide12.xml><?xml version="1.0" encoding="utf-8"?>
+<p:sld xmlns:a="http://schemas.openxmlformats.org/drawingml/2006/main" xmlns:r="http://schemas.openxmlformats.org/officeDocument/2006/relationships" xmlns:p="http://schemas.openxmlformats.org/presentationml/2006/main">
+  <p:cSld>
+    <p:spTree>
+      <p:nvGrpSpPr>
+        <p:cNvPr id="1" name=""/>
+        <p:cNvGrpSpPr/>
+        <p:nvPr/>
+      </p:nvGrpSpPr>
+      <p:grpSpPr>
+        <a:xfrm>
+          <a:off x="0" y="0"/>
+          <a:ext cx="0" cy="0"/>
+          <a:chOff x="0" y="0"/>
+          <a:chExt cx="0" cy="0"/>
+        </a:xfrm>
+      </p:grpSpPr>
+      <p:sp>
+        <p:nvSpPr>
+          <p:cNvPr id="2" name="Title 1"/>
+          <p:cNvSpPr>
+            <a:spLocks noGrp="1"/>
+          </p:cNvSpPr>
+          <p:nvPr>
+            <p:ph type="title"/>
+          </p:nvPr>
+        </p:nvSpPr>
+        <p:spPr>
+          <a:xfrm>
+            <a:off x="-1473200" y="5350933"/>
+            <a:ext cx="8534400" cy="1507067"/>
+          </a:xfrm>
+        </p:spPr>
+        <p:txBody>
+          <a:bodyPr/>
+          <a:lstStyle/>
+          <a:p>
+            <a:pPr algn="ctr"/>
+            <a:r>
+              <a:rPr lang="en-US"/>
+              <a:t>Unit test drivers</a:t>
+            </a:r>
+          </a:p>
+        </p:txBody>
+      </p:sp>
+      <p:sp>
+        <p:nvSpPr>
+          <p:cNvPr id="6" name="Content Placeholder 2"/>
+          <p:cNvSpPr>
+            <a:spLocks noGrp="1"/>
+          </p:cNvSpPr>
+          <p:nvPr>
+            <p:ph idx="1"/>
+          </p:nvPr>
+        </p:nvSpPr>
+        <p:spPr>
+          <a:xfrm>
+            <a:off x="638492" y="663879"/>
+            <a:ext cx="10669588" cy="5005401"/>
+          </a:xfrm>
+        </p:spPr>
+        <p:txBody>
+          <a:bodyPr/>
+          <a:lstStyle/>
+          <a:p>
+            <a:r>
+              <a:rPr lang="en-US" dirty="0" smtClean="0"/>
+              <a:t>19 Unit tests</a:t>
+            </a:r>
+          </a:p>
+          <a:p>
+            <a:r>
+              <a:rPr lang="en-US" dirty="0" smtClean="0"/>
+              <a:t>All passing</a:t>
+            </a:r>
+          </a:p>
+          <a:p>
+            <a:r>
+              <a:rPr lang="en-US" dirty="0" smtClean="0"/>
+              <a:t>Tests for</a:t>
+            </a:r>
+          </a:p>
+          <a:p>
+            <a:pPr lvl="1"/>
+            <a:r>
+              <a:rPr lang="en-US" dirty="0" smtClean="0"/>
+              <a:t>Add/Edit/Delete events</a:t>
+            </a:r>
+          </a:p>
+          <a:p>
+            <a:pPr lvl="1"/>
+            <a:r>
+              <a:rPr lang="en-US" dirty="0" smtClean="0"/>
+              <a:t>Time class</a:t>
+            </a:r>
+          </a:p>
+          <a:p>
+            <a:pPr lvl="1"/>
+            <a:r>
+              <a:rPr lang="en-US" dirty="0" smtClean="0"/>
+              <a:t>Retrieve Reminders</a:t>
+            </a:r>
+          </a:p>
+          <a:p>
+            <a:pPr lvl="1"/>
+            <a:r>
+              <a:rPr lang="en-US" dirty="0" smtClean="0"/>
+              <a:t>SQL Injection</a:t>
+            </a:r>
+          </a:p>
+          <a:p>
+            <a:pPr lvl="1"/>
+            <a:endParaRPr lang="en-US" dirty="0"/>
+          </a:p>
+        </p:txBody>
+      </p:sp>
+      <p:sp>
+        <p:nvSpPr>
+          <p:cNvPr id="7" name="Slide Number Placeholder 6"/>
+          <p:cNvSpPr>
+            <a:spLocks noGrp="1"/>
+          </p:cNvSpPr>
+          <p:nvPr>
+            <p:ph type="sldNum" sz="quarter" idx="12"/>
+          </p:nvPr>
+        </p:nvSpPr>
+        <p:spPr/>
+        <p:txBody>
+          <a:bodyPr/>
+          <a:lstStyle/>
+          <a:p>
+            <a:fld id="{74AB3515-C793-E547-AD4E-3226D67B40C1}" type="slidenum">
+              <a:rPr lang="en-US" smtClean="0"/>
+              <a:t>12</a:t>
+            </a:fld>
+            <a:endParaRPr lang="en-US"/>
+          </a:p>
+        </p:txBody>
+      </p:sp>
+    </p:spTree>
+    <p:extLst>
+      <p:ext uri="{BB962C8B-B14F-4D97-AF65-F5344CB8AC3E}">
+        <p14:creationId xmlns:p14="http://schemas.microsoft.com/office/powerpoint/2010/main" val="480497734"/>
+      </p:ext>
+    </p:extLst>
+  </p:cSld>
+  <p:clrMapOvr>
+    <a:masterClrMapping/>
+  </p:clrMapOvr>
+</p:sld>
+</file>
+
+<file path=ppt/slides/slide13.xml><?xml version="1.0" encoding="utf-8"?>
+<p:sld xmlns:a="http://schemas.openxmlformats.org/drawingml/2006/main" xmlns:r="http://schemas.openxmlformats.org/officeDocument/2006/relationships" xmlns:p="http://schemas.openxmlformats.org/presentationml/2006/main">
+  <p:cSld>
+    <p:spTree>
+      <p:nvGrpSpPr>
+        <p:cNvPr id="1" name=""/>
+        <p:cNvGrpSpPr/>
+        <p:nvPr/>
+      </p:nvGrpSpPr>
+      <p:grpSpPr>
+        <a:xfrm>
+          <a:off x="0" y="0"/>
+          <a:ext cx="0" cy="0"/>
+          <a:chOff x="0" y="0"/>
+          <a:chExt cx="0" cy="0"/>
+        </a:xfrm>
+      </p:grpSpPr>
+      <p:sp>
+        <p:nvSpPr>
+          <p:cNvPr id="2" name="Title 1"/>
+          <p:cNvSpPr>
+            <a:spLocks noGrp="1"/>
+          </p:cNvSpPr>
+          <p:nvPr>
+            <p:ph type="title"/>
+          </p:nvPr>
+        </p:nvSpPr>
         <p:spPr>
           <a:xfrm>
             <a:off x="684212" y="5673195"/>
@@ -6208,7 +6551,7 @@
           <a:p>
             <a:fld id="{74AB3515-C793-E547-AD4E-3226D67B40C1}" type="slidenum">
               <a:rPr lang="en-US" smtClean="0"/>
-              <a:t>10</a:t>
+              <a:t>13</a:t>
             </a:fld>
             <a:endParaRPr lang="en-US"/>
           </a:p>
@@ -6227,7 +6570,7 @@
 </p:sld>
 </file>
 
-<file path=ppt/slides/slide11.xml><?xml version="1.0" encoding="utf-8"?>
+<file path=ppt/slides/slide14.xml><?xml version="1.0" encoding="utf-8"?>
 <p:sld xmlns:a="http://schemas.openxmlformats.org/drawingml/2006/main" xmlns:r="http://schemas.openxmlformats.org/officeDocument/2006/relationships" xmlns:p="http://schemas.openxmlformats.org/presentationml/2006/main">
   <p:cSld>
     <p:spTree>
@@ -6318,7 +6661,7 @@
           <a:p>
             <a:fld id="{74AB3515-C793-E547-AD4E-3226D67B40C1}" type="slidenum">
               <a:rPr lang="en-US" smtClean="0"/>
-              <a:t>11</a:t>
+              <a:t>14</a:t>
             </a:fld>
             <a:endParaRPr lang="en-US"/>
           </a:p>
@@ -6337,7 +6680,7 @@
 </p:sld>
 </file>
 
-<file path=ppt/slides/slide12.xml><?xml version="1.0" encoding="utf-8"?>
+<file path=ppt/slides/slide15.xml><?xml version="1.0" encoding="utf-8"?>
 <p:sld xmlns:a="http://schemas.openxmlformats.org/drawingml/2006/main" xmlns:r="http://schemas.openxmlformats.org/officeDocument/2006/relationships" xmlns:p="http://schemas.openxmlformats.org/presentationml/2006/main">
   <p:cSld>
     <p:spTree>
@@ -6486,7 +6829,7 @@
           <a:p>
             <a:fld id="{74AB3515-C793-E547-AD4E-3226D67B40C1}" type="slidenum">
               <a:rPr lang="en-US" smtClean="0"/>
-              <a:t>12</a:t>
+              <a:t>15</a:t>
             </a:fld>
             <a:endParaRPr lang="en-US"/>
           </a:p>
@@ -6505,7 +6848,7 @@
 </p:sld>
 </file>
 
-<file path=ppt/slides/slide13.xml><?xml version="1.0" encoding="utf-8"?>
+<file path=ppt/slides/slide16.xml><?xml version="1.0" encoding="utf-8"?>
 <p:sld xmlns:a="http://schemas.openxmlformats.org/drawingml/2006/main" xmlns:r="http://schemas.openxmlformats.org/officeDocument/2006/relationships" xmlns:p="http://schemas.openxmlformats.org/presentationml/2006/main">
   <p:cSld>
     <p:spTree>
@@ -6694,7 +7037,7 @@
           <a:p>
             <a:fld id="{74AB3515-C793-E547-AD4E-3226D67B40C1}" type="slidenum">
               <a:rPr lang="en-US" smtClean="0"/>
-              <a:t>13</a:t>
+              <a:t>16</a:t>
             </a:fld>
             <a:endParaRPr lang="en-US"/>
           </a:p>
@@ -6713,7 +7056,7 @@
 </p:sld>
 </file>
 
-<file path=ppt/slides/slide14.xml><?xml version="1.0" encoding="utf-8"?>
+<file path=ppt/slides/slide17.xml><?xml version="1.0" encoding="utf-8"?>
 <p:sld xmlns:a="http://schemas.openxmlformats.org/drawingml/2006/main" xmlns:r="http://schemas.openxmlformats.org/officeDocument/2006/relationships" xmlns:p="http://schemas.openxmlformats.org/presentationml/2006/main">
   <p:cSld>
     <p:spTree>
@@ -6845,7 +7188,7 @@
           <a:p>
             <a:fld id="{74AB3515-C793-E547-AD4E-3226D67B40C1}" type="slidenum">
               <a:rPr lang="en-US" smtClean="0"/>
-              <a:t>14</a:t>
+              <a:t>17</a:t>
             </a:fld>
             <a:endParaRPr lang="en-US"/>
           </a:p>
@@ -6864,7 +7207,7 @@
 </p:sld>
 </file>
 
-<file path=ppt/slides/slide15.xml><?xml version="1.0" encoding="utf-8"?>
+<file path=ppt/slides/slide18.xml><?xml version="1.0" encoding="utf-8"?>
 <p:sld xmlns:a="http://schemas.openxmlformats.org/drawingml/2006/main" xmlns:r="http://schemas.openxmlformats.org/officeDocument/2006/relationships" xmlns:p="http://schemas.openxmlformats.org/presentationml/2006/main">
   <p:cSld>
     <p:spTree>
@@ -6967,7 +7310,7 @@
           <a:p>
             <a:fld id="{74AB3515-C793-E547-AD4E-3226D67B40C1}" type="slidenum">
               <a:rPr lang="en-US" smtClean="0"/>
-              <a:t>15</a:t>
+              <a:t>18</a:t>
             </a:fld>
             <a:endParaRPr lang="en-US"/>
           </a:p>
@@ -6986,7 +7329,7 @@
 </p:sld>
 </file>
 
-<file path=ppt/slides/slide16.xml><?xml version="1.0" encoding="utf-8"?>
+<file path=ppt/slides/slide19.xml><?xml version="1.0" encoding="utf-8"?>
 <p:sld xmlns:a="http://schemas.openxmlformats.org/drawingml/2006/main" xmlns:r="http://schemas.openxmlformats.org/officeDocument/2006/relationships" xmlns:p="http://schemas.openxmlformats.org/presentationml/2006/main">
   <p:cSld>
     <p:spTree>
@@ -7077,7 +7420,7 @@
           <a:p>
             <a:fld id="{74AB3515-C793-E547-AD4E-3226D67B40C1}" type="slidenum">
               <a:rPr lang="en-US" smtClean="0"/>
-              <a:t>16</a:t>
+              <a:t>19</a:t>
             </a:fld>
             <a:endParaRPr lang="en-US"/>
           </a:p>
@@ -7096,7 +7439,7 @@
 </p:sld>
 </file>
 
-<file path=ppt/slides/slide17.xml><?xml version="1.0" encoding="utf-8"?>
+<file path=ppt/slides/slide2.xml><?xml version="1.0" encoding="utf-8"?>
 <p:sld xmlns:a="http://schemas.openxmlformats.org/drawingml/2006/main" xmlns:r="http://schemas.openxmlformats.org/officeDocument/2006/relationships" xmlns:p="http://schemas.openxmlformats.org/presentationml/2006/main">
   <p:cSld>
     <p:spTree>
@@ -7125,6 +7468,117 @@
         </p:nvSpPr>
         <p:spPr>
           <a:xfrm>
+            <a:off x="255587" y="186794"/>
+            <a:ext cx="8534400" cy="1507067"/>
+          </a:xfrm>
+        </p:spPr>
+        <p:txBody>
+          <a:bodyPr/>
+          <a:lstStyle/>
+          <a:p>
+            <a:r>
+              <a:rPr lang="en-US" smtClean="0"/>
+              <a:t>Design Overview</a:t>
+            </a:r>
+            <a:endParaRPr lang="en-US"/>
+          </a:p>
+        </p:txBody>
+      </p:sp>
+      <p:pic>
+        <p:nvPicPr>
+          <p:cNvPr id="4" name="Content Placeholder 3"/>
+          <p:cNvPicPr>
+            <a:picLocks noChangeAspect="1"/>
+          </p:cNvPicPr>
+          <p:nvPr/>
+        </p:nvPicPr>
+        <p:blipFill>
+          <a:blip r:embed="rId2">
+            <a:extLst>
+              <a:ext uri="{28A0092B-C50C-407E-A947-70E740481C1C}">
+                <a14:useLocalDpi xmlns:a14="http://schemas.microsoft.com/office/drawing/2010/main" val="0"/>
+              </a:ext>
+            </a:extLst>
+          </a:blip>
+          <a:stretch>
+            <a:fillRect/>
+          </a:stretch>
+        </p:blipFill>
+        <p:spPr>
+          <a:xfrm>
+            <a:off x="4877670" y="0"/>
+            <a:ext cx="7314330" cy="6858000"/>
+          </a:xfrm>
+          <a:prstGeom prst="rect">
+            <a:avLst/>
+          </a:prstGeom>
+        </p:spPr>
+      </p:pic>
+      <p:sp>
+        <p:nvSpPr>
+          <p:cNvPr id="5" name="Slide Number Placeholder 4"/>
+          <p:cNvSpPr>
+            <a:spLocks noGrp="1"/>
+          </p:cNvSpPr>
+          <p:nvPr>
+            <p:ph type="sldNum" sz="quarter" idx="12"/>
+          </p:nvPr>
+        </p:nvSpPr>
+        <p:spPr/>
+        <p:txBody>
+          <a:bodyPr/>
+          <a:lstStyle/>
+          <a:p>
+            <a:fld id="{74AB3515-C793-E547-AD4E-3226D67B40C1}" type="slidenum">
+              <a:rPr lang="en-US" smtClean="0"/>
+              <a:t>2</a:t>
+            </a:fld>
+            <a:endParaRPr lang="en-US"/>
+          </a:p>
+        </p:txBody>
+      </p:sp>
+    </p:spTree>
+    <p:extLst>
+      <p:ext uri="{BB962C8B-B14F-4D97-AF65-F5344CB8AC3E}">
+        <p14:creationId xmlns:p14="http://schemas.microsoft.com/office/powerpoint/2010/main" val="72799400"/>
+      </p:ext>
+    </p:extLst>
+  </p:cSld>
+  <p:clrMapOvr>
+    <a:masterClrMapping/>
+  </p:clrMapOvr>
+</p:sld>
+</file>
+
+<file path=ppt/slides/slide20.xml><?xml version="1.0" encoding="utf-8"?>
+<p:sld xmlns:a="http://schemas.openxmlformats.org/drawingml/2006/main" xmlns:r="http://schemas.openxmlformats.org/officeDocument/2006/relationships" xmlns:p="http://schemas.openxmlformats.org/presentationml/2006/main">
+  <p:cSld>
+    <p:spTree>
+      <p:nvGrpSpPr>
+        <p:cNvPr id="1" name=""/>
+        <p:cNvGrpSpPr/>
+        <p:nvPr/>
+      </p:nvGrpSpPr>
+      <p:grpSpPr>
+        <a:xfrm>
+          <a:off x="0" y="0"/>
+          <a:ext cx="0" cy="0"/>
+          <a:chOff x="0" y="0"/>
+          <a:chExt cx="0" cy="0"/>
+        </a:xfrm>
+      </p:grpSpPr>
+      <p:sp>
+        <p:nvSpPr>
+          <p:cNvPr id="2" name="Title 1"/>
+          <p:cNvSpPr>
+            <a:spLocks noGrp="1"/>
+          </p:cNvSpPr>
+          <p:nvPr>
+            <p:ph type="title"/>
+          </p:nvPr>
+        </p:nvSpPr>
+        <p:spPr>
+          <a:xfrm>
             <a:off x="135572" y="5259810"/>
             <a:ext cx="8534400" cy="1507067"/>
           </a:xfrm>
@@ -7209,7 +7663,7 @@
           <a:p>
             <a:fld id="{74AB3515-C793-E547-AD4E-3226D67B40C1}" type="slidenum">
               <a:rPr lang="en-US" smtClean="0"/>
-              <a:t>17</a:t>
+              <a:t>20</a:t>
             </a:fld>
             <a:endParaRPr lang="en-US"/>
           </a:p>
@@ -7258,817 +7712,6 @@
 </p:sld>
 </file>
 
-<file path=ppt/slides/slide18.xml><?xml version="1.0" encoding="utf-8"?>
-<p:sld xmlns:a="http://schemas.openxmlformats.org/drawingml/2006/main" xmlns:r="http://schemas.openxmlformats.org/officeDocument/2006/relationships" xmlns:p="http://schemas.openxmlformats.org/presentationml/2006/main">
-  <p:cSld>
-    <p:spTree>
-      <p:nvGrpSpPr>
-        <p:cNvPr id="1" name=""/>
-        <p:cNvGrpSpPr/>
-        <p:nvPr/>
-      </p:nvGrpSpPr>
-      <p:grpSpPr>
-        <a:xfrm>
-          <a:off x="0" y="0"/>
-          <a:ext cx="0" cy="0"/>
-          <a:chOff x="0" y="0"/>
-          <a:chExt cx="0" cy="0"/>
-        </a:xfrm>
-      </p:grpSpPr>
-      <p:sp>
-        <p:nvSpPr>
-          <p:cNvPr id="2" name="Title 1"/>
-          <p:cNvSpPr>
-            <a:spLocks noGrp="1"/>
-          </p:cNvSpPr>
-          <p:nvPr>
-            <p:ph type="title"/>
-          </p:nvPr>
-        </p:nvSpPr>
-        <p:spPr>
-          <a:xfrm>
-            <a:off x="381000" y="5159903"/>
-            <a:ext cx="10896600" cy="1507067"/>
-          </a:xfrm>
-        </p:spPr>
-        <p:txBody>
-          <a:bodyPr>
-            <a:normAutofit fontScale="90000"/>
-          </a:bodyPr>
-          <a:lstStyle/>
-          <a:p>
-            <a:r>
-              <a:rPr lang="en-US" dirty="0"/>
-              <a:t>Summary of final code readiness for shipping (quality assessment and release notes)</a:t>
-            </a:r>
-          </a:p>
-        </p:txBody>
-      </p:sp>
-      <p:sp>
-        <p:nvSpPr>
-          <p:cNvPr id="3" name="Content Placeholder 2"/>
-          <p:cNvSpPr>
-            <a:spLocks noGrp="1"/>
-          </p:cNvSpPr>
-          <p:nvPr>
-            <p:ph idx="1"/>
-          </p:nvPr>
-        </p:nvSpPr>
-        <p:spPr>
-          <a:xfrm>
-            <a:off x="381000" y="209286"/>
-            <a:ext cx="11582400" cy="5159903"/>
-          </a:xfrm>
-        </p:spPr>
-        <p:txBody>
-          <a:bodyPr>
-            <a:normAutofit/>
-          </a:bodyPr>
-          <a:lstStyle/>
-          <a:p>
-            <a:r>
-              <a:rPr lang="en-US" dirty="0" err="1" smtClean="0"/>
-              <a:t>Calendar_View</a:t>
-            </a:r>
-            <a:r>
-              <a:rPr lang="en-US" dirty="0" smtClean="0"/>
-              <a:t> </a:t>
-            </a:r>
-            <a:r>
-              <a:rPr lang="mr-IN" dirty="0" smtClean="0"/>
-              <a:t>–</a:t>
-            </a:r>
-            <a:r>
-              <a:rPr lang="en-US" dirty="0" smtClean="0"/>
-              <a:t> Functional except for:</a:t>
-            </a:r>
-          </a:p>
-          <a:p>
-            <a:pPr lvl="1"/>
-            <a:r>
-              <a:rPr lang="en-US" dirty="0" smtClean="0"/>
-              <a:t>Viewing months other than the current month</a:t>
-            </a:r>
-          </a:p>
-          <a:p>
-            <a:pPr lvl="1"/>
-            <a:r>
-              <a:rPr lang="en-US" dirty="0" smtClean="0"/>
-              <a:t>Clicking the settings button</a:t>
-            </a:r>
-          </a:p>
-          <a:p>
-            <a:r>
-              <a:rPr lang="en-US" dirty="0" err="1" smtClean="0"/>
-              <a:t>Day_Manage_Event_View</a:t>
-            </a:r>
-            <a:r>
-              <a:rPr lang="en-US" dirty="0" smtClean="0"/>
-              <a:t> </a:t>
-            </a:r>
-            <a:r>
-              <a:rPr lang="mr-IN" dirty="0" smtClean="0"/>
-              <a:t>–</a:t>
-            </a:r>
-            <a:r>
-              <a:rPr lang="en-US" dirty="0" smtClean="0"/>
-              <a:t> Functional except for:</a:t>
-            </a:r>
-          </a:p>
-          <a:p>
-            <a:pPr lvl="1"/>
-            <a:r>
-              <a:rPr lang="en-US" dirty="0" smtClean="0"/>
-              <a:t>Error handling and feedback to user not fully implemented</a:t>
-            </a:r>
-          </a:p>
-          <a:p>
-            <a:pPr lvl="1"/>
-            <a:r>
-              <a:rPr lang="en-US" dirty="0" smtClean="0"/>
-              <a:t>Cant modify or delete an event</a:t>
-            </a:r>
-          </a:p>
-          <a:p>
-            <a:pPr lvl="1"/>
-            <a:r>
-              <a:rPr lang="en-US" dirty="0" smtClean="0"/>
-              <a:t>Looks bad/messy</a:t>
-            </a:r>
-          </a:p>
-          <a:p>
-            <a:r>
-              <a:rPr lang="en-US" dirty="0" smtClean="0"/>
-              <a:t>Send Desktop Reminders </a:t>
-            </a:r>
-            <a:r>
-              <a:rPr lang="mr-IN" dirty="0" smtClean="0"/>
-              <a:t>–</a:t>
-            </a:r>
-            <a:endParaRPr lang="en-US" dirty="0" smtClean="0"/>
-          </a:p>
-          <a:p>
-            <a:pPr lvl="1"/>
-            <a:r>
-              <a:rPr lang="en-US" dirty="0" smtClean="0"/>
-              <a:t>Code written for Mac, but not yet integrated because of complexity</a:t>
-            </a:r>
-          </a:p>
-          <a:p>
-            <a:pPr lvl="1"/>
-            <a:r>
-              <a:rPr lang="en-US" dirty="0" smtClean="0"/>
-              <a:t>Code not written for Windows or Linux reminders</a:t>
-            </a:r>
-          </a:p>
-          <a:p>
-            <a:r>
-              <a:rPr lang="en-US" dirty="0" smtClean="0"/>
-              <a:t>Send Email and SMS Reminders From Server</a:t>
-            </a:r>
-          </a:p>
-          <a:p>
-            <a:pPr lvl="1"/>
-            <a:r>
-              <a:rPr lang="en-US" dirty="0" smtClean="0"/>
-              <a:t>Code written but not yet integrated due to complexity</a:t>
-            </a:r>
-            <a:endParaRPr lang="en-US" dirty="0"/>
-          </a:p>
-        </p:txBody>
-      </p:sp>
-      <p:sp>
-        <p:nvSpPr>
-          <p:cNvPr id="4" name="Slide Number Placeholder 3"/>
-          <p:cNvSpPr>
-            <a:spLocks noGrp="1"/>
-          </p:cNvSpPr>
-          <p:nvPr>
-            <p:ph type="sldNum" sz="quarter" idx="12"/>
-          </p:nvPr>
-        </p:nvSpPr>
-        <p:spPr/>
-        <p:txBody>
-          <a:bodyPr/>
-          <a:lstStyle/>
-          <a:p>
-            <a:fld id="{74AB3515-C793-E547-AD4E-3226D67B40C1}" type="slidenum">
-              <a:rPr lang="en-US" smtClean="0"/>
-              <a:t>18</a:t>
-            </a:fld>
-            <a:endParaRPr lang="en-US"/>
-          </a:p>
-        </p:txBody>
-      </p:sp>
-    </p:spTree>
-    <p:extLst>
-      <p:ext uri="{BB962C8B-B14F-4D97-AF65-F5344CB8AC3E}">
-        <p14:creationId xmlns:p14="http://schemas.microsoft.com/office/powerpoint/2010/main" val="1963286473"/>
-      </p:ext>
-    </p:extLst>
-  </p:cSld>
-  <p:clrMapOvr>
-    <a:masterClrMapping/>
-  </p:clrMapOvr>
-</p:sld>
-</file>
-
-<file path=ppt/slides/slide19.xml><?xml version="1.0" encoding="utf-8"?>
-<p:sld xmlns:a="http://schemas.openxmlformats.org/drawingml/2006/main" xmlns:r="http://schemas.openxmlformats.org/officeDocument/2006/relationships" xmlns:p="http://schemas.openxmlformats.org/presentationml/2006/main">
-  <p:cSld>
-    <p:spTree>
-      <p:nvGrpSpPr>
-        <p:cNvPr id="1" name=""/>
-        <p:cNvGrpSpPr/>
-        <p:nvPr/>
-      </p:nvGrpSpPr>
-      <p:grpSpPr>
-        <a:xfrm>
-          <a:off x="0" y="0"/>
-          <a:ext cx="0" cy="0"/>
-          <a:chOff x="0" y="0"/>
-          <a:chExt cx="0" cy="0"/>
-        </a:xfrm>
-      </p:grpSpPr>
-      <p:sp>
-        <p:nvSpPr>
-          <p:cNvPr id="2" name="Title 1"/>
-          <p:cNvSpPr>
-            <a:spLocks noGrp="1"/>
-          </p:cNvSpPr>
-          <p:nvPr>
-            <p:ph type="title"/>
-          </p:nvPr>
-        </p:nvSpPr>
-        <p:spPr/>
-        <p:txBody>
-          <a:bodyPr/>
-          <a:lstStyle/>
-          <a:p>
-            <a:r>
-              <a:rPr lang="en-US" dirty="0" smtClean="0"/>
-              <a:t>Issues overview</a:t>
-            </a:r>
-            <a:endParaRPr lang="en-US" dirty="0"/>
-          </a:p>
-        </p:txBody>
-      </p:sp>
-      <p:sp>
-        <p:nvSpPr>
-          <p:cNvPr id="3" name="Content Placeholder 2"/>
-          <p:cNvSpPr>
-            <a:spLocks noGrp="1"/>
-          </p:cNvSpPr>
-          <p:nvPr>
-            <p:ph idx="1"/>
-          </p:nvPr>
-        </p:nvSpPr>
-        <p:spPr>
-          <a:xfrm>
-            <a:off x="684212" y="685800"/>
-            <a:ext cx="10645776" cy="3615267"/>
-          </a:xfrm>
-        </p:spPr>
-        <p:txBody>
-          <a:bodyPr/>
-          <a:lstStyle/>
-          <a:p>
-            <a:r>
-              <a:rPr lang="en-US" dirty="0" smtClean="0"/>
-              <a:t>48 Total Issues</a:t>
-            </a:r>
-          </a:p>
-          <a:p>
-            <a:r>
-              <a:rPr lang="en-US" dirty="0" smtClean="0"/>
-              <a:t>33 Issues closed</a:t>
-            </a:r>
-          </a:p>
-          <a:p>
-            <a:r>
-              <a:rPr lang="en-US" dirty="0" smtClean="0"/>
-              <a:t>15 Issues remain open</a:t>
-            </a:r>
-          </a:p>
-          <a:p>
-            <a:pPr lvl="1"/>
-            <a:r>
-              <a:rPr lang="en-US" dirty="0" smtClean="0"/>
-              <a:t>Delay </a:t>
-            </a:r>
-            <a:r>
-              <a:rPr lang="mr-IN" dirty="0" smtClean="0"/>
-              <a:t>–</a:t>
-            </a:r>
-            <a:r>
-              <a:rPr lang="en-US" dirty="0" smtClean="0"/>
-              <a:t> 3 (#3, #44, </a:t>
-            </a:r>
-            <a:r>
-              <a:rPr lang="en-US" dirty="0"/>
-              <a:t>#</a:t>
-            </a:r>
-            <a:r>
-              <a:rPr lang="en-US" dirty="0" smtClean="0"/>
-              <a:t>12)</a:t>
-            </a:r>
-          </a:p>
-          <a:p>
-            <a:pPr lvl="1"/>
-            <a:r>
-              <a:rPr lang="en-US" dirty="0" smtClean="0"/>
-              <a:t>Enhancements </a:t>
-            </a:r>
-            <a:r>
-              <a:rPr lang="mr-IN" dirty="0" smtClean="0"/>
-              <a:t>–</a:t>
-            </a:r>
-            <a:r>
-              <a:rPr lang="en-US" dirty="0" smtClean="0"/>
-              <a:t> 12 (#4, #6, #7, #11, #20, #22, #13, #16, #45 ,#46 , #47, #48)</a:t>
-            </a:r>
-          </a:p>
-          <a:p>
-            <a:r>
-              <a:rPr lang="en-US" dirty="0" smtClean="0"/>
-              <a:t>Current issue list </a:t>
-            </a:r>
-            <a:r>
-              <a:rPr lang="en-US" dirty="0"/>
-              <a:t>- </a:t>
-            </a:r>
-            <a:r>
-              <a:rPr lang="en-US" dirty="0">
-                <a:hlinkClick r:id="rId2"/>
-              </a:rPr>
-              <a:t>https://</a:t>
-            </a:r>
-            <a:r>
-              <a:rPr lang="en-US" dirty="0" smtClean="0">
-                <a:hlinkClick r:id="rId2"/>
-              </a:rPr>
-              <a:t>github.com/AndrewERAU/Calendar/issues</a:t>
-            </a:r>
-            <a:endParaRPr lang="en-US" dirty="0" smtClean="0"/>
-          </a:p>
-        </p:txBody>
-      </p:sp>
-      <p:sp>
-        <p:nvSpPr>
-          <p:cNvPr id="4" name="Slide Number Placeholder 3"/>
-          <p:cNvSpPr>
-            <a:spLocks noGrp="1"/>
-          </p:cNvSpPr>
-          <p:nvPr>
-            <p:ph type="sldNum" sz="quarter" idx="12"/>
-          </p:nvPr>
-        </p:nvSpPr>
-        <p:spPr/>
-        <p:txBody>
-          <a:bodyPr/>
-          <a:lstStyle/>
-          <a:p>
-            <a:fld id="{74AB3515-C793-E547-AD4E-3226D67B40C1}" type="slidenum">
-              <a:rPr lang="en-US" smtClean="0"/>
-              <a:t>19</a:t>
-            </a:fld>
-            <a:endParaRPr lang="en-US"/>
-          </a:p>
-        </p:txBody>
-      </p:sp>
-    </p:spTree>
-    <p:extLst>
-      <p:ext uri="{BB962C8B-B14F-4D97-AF65-F5344CB8AC3E}">
-        <p14:creationId xmlns:p14="http://schemas.microsoft.com/office/powerpoint/2010/main" val="1311244990"/>
-      </p:ext>
-    </p:extLst>
-  </p:cSld>
-  <p:clrMapOvr>
-    <a:masterClrMapping/>
-  </p:clrMapOvr>
-</p:sld>
-</file>
-
-<file path=ppt/slides/slide2.xml><?xml version="1.0" encoding="utf-8"?>
-<p:sld xmlns:a="http://schemas.openxmlformats.org/drawingml/2006/main" xmlns:r="http://schemas.openxmlformats.org/officeDocument/2006/relationships" xmlns:p="http://schemas.openxmlformats.org/presentationml/2006/main">
-  <p:cSld>
-    <p:spTree>
-      <p:nvGrpSpPr>
-        <p:cNvPr id="1" name=""/>
-        <p:cNvGrpSpPr/>
-        <p:nvPr/>
-      </p:nvGrpSpPr>
-      <p:grpSpPr>
-        <a:xfrm>
-          <a:off x="0" y="0"/>
-          <a:ext cx="0" cy="0"/>
-          <a:chOff x="0" y="0"/>
-          <a:chExt cx="0" cy="0"/>
-        </a:xfrm>
-      </p:grpSpPr>
-      <p:sp>
-        <p:nvSpPr>
-          <p:cNvPr id="2" name="Title 1"/>
-          <p:cNvSpPr>
-            <a:spLocks noGrp="1"/>
-          </p:cNvSpPr>
-          <p:nvPr>
-            <p:ph type="title"/>
-          </p:nvPr>
-        </p:nvSpPr>
-        <p:spPr>
-          <a:xfrm>
-            <a:off x="255587" y="186794"/>
-            <a:ext cx="8534400" cy="1507067"/>
-          </a:xfrm>
-        </p:spPr>
-        <p:txBody>
-          <a:bodyPr/>
-          <a:lstStyle/>
-          <a:p>
-            <a:r>
-              <a:rPr lang="en-US" smtClean="0"/>
-              <a:t>Design Overview</a:t>
-            </a:r>
-            <a:endParaRPr lang="en-US"/>
-          </a:p>
-        </p:txBody>
-      </p:sp>
-      <p:pic>
-        <p:nvPicPr>
-          <p:cNvPr id="4" name="Content Placeholder 3"/>
-          <p:cNvPicPr>
-            <a:picLocks noChangeAspect="1"/>
-          </p:cNvPicPr>
-          <p:nvPr/>
-        </p:nvPicPr>
-        <p:blipFill>
-          <a:blip r:embed="rId2">
-            <a:extLst>
-              <a:ext uri="{28A0092B-C50C-407E-A947-70E740481C1C}">
-                <a14:useLocalDpi xmlns:a14="http://schemas.microsoft.com/office/drawing/2010/main" val="0"/>
-              </a:ext>
-            </a:extLst>
-          </a:blip>
-          <a:stretch>
-            <a:fillRect/>
-          </a:stretch>
-        </p:blipFill>
-        <p:spPr>
-          <a:xfrm>
-            <a:off x="4877670" y="0"/>
-            <a:ext cx="7314330" cy="6858000"/>
-          </a:xfrm>
-          <a:prstGeom prst="rect">
-            <a:avLst/>
-          </a:prstGeom>
-        </p:spPr>
-      </p:pic>
-      <p:sp>
-        <p:nvSpPr>
-          <p:cNvPr id="5" name="Slide Number Placeholder 4"/>
-          <p:cNvSpPr>
-            <a:spLocks noGrp="1"/>
-          </p:cNvSpPr>
-          <p:nvPr>
-            <p:ph type="sldNum" sz="quarter" idx="12"/>
-          </p:nvPr>
-        </p:nvSpPr>
-        <p:spPr/>
-        <p:txBody>
-          <a:bodyPr/>
-          <a:lstStyle/>
-          <a:p>
-            <a:fld id="{74AB3515-C793-E547-AD4E-3226D67B40C1}" type="slidenum">
-              <a:rPr lang="en-US" smtClean="0"/>
-              <a:t>2</a:t>
-            </a:fld>
-            <a:endParaRPr lang="en-US"/>
-          </a:p>
-        </p:txBody>
-      </p:sp>
-    </p:spTree>
-    <p:extLst>
-      <p:ext uri="{BB962C8B-B14F-4D97-AF65-F5344CB8AC3E}">
-        <p14:creationId xmlns:p14="http://schemas.microsoft.com/office/powerpoint/2010/main" val="72799400"/>
-      </p:ext>
-    </p:extLst>
-  </p:cSld>
-  <p:clrMapOvr>
-    <a:masterClrMapping/>
-  </p:clrMapOvr>
-</p:sld>
-</file>
-
-<file path=ppt/slides/slide20.xml><?xml version="1.0" encoding="utf-8"?>
-<p:sld xmlns:a="http://schemas.openxmlformats.org/drawingml/2006/main" xmlns:r="http://schemas.openxmlformats.org/officeDocument/2006/relationships" xmlns:p="http://schemas.openxmlformats.org/presentationml/2006/main">
-  <p:cSld>
-    <p:spTree>
-      <p:nvGrpSpPr>
-        <p:cNvPr id="1" name=""/>
-        <p:cNvGrpSpPr/>
-        <p:nvPr/>
-      </p:nvGrpSpPr>
-      <p:grpSpPr>
-        <a:xfrm>
-          <a:off x="0" y="0"/>
-          <a:ext cx="0" cy="0"/>
-          <a:chOff x="0" y="0"/>
-          <a:chExt cx="0" cy="0"/>
-        </a:xfrm>
-      </p:grpSpPr>
-      <p:sp>
-        <p:nvSpPr>
-          <p:cNvPr id="2" name="Title 1"/>
-          <p:cNvSpPr>
-            <a:spLocks noGrp="1"/>
-          </p:cNvSpPr>
-          <p:nvPr>
-            <p:ph type="title"/>
-          </p:nvPr>
-        </p:nvSpPr>
-        <p:spPr>
-          <a:xfrm>
-            <a:off x="684211" y="5494866"/>
-            <a:ext cx="8534400" cy="1507067"/>
-          </a:xfrm>
-        </p:spPr>
-        <p:txBody>
-          <a:bodyPr/>
-          <a:lstStyle/>
-          <a:p>
-            <a:r>
-              <a:rPr lang="en-US" dirty="0" smtClean="0"/>
-              <a:t>Issues Status</a:t>
-            </a:r>
-            <a:endParaRPr lang="en-US" dirty="0"/>
-          </a:p>
-        </p:txBody>
-      </p:sp>
-      <p:sp>
-        <p:nvSpPr>
-          <p:cNvPr id="3" name="Content Placeholder 2"/>
-          <p:cNvSpPr>
-            <a:spLocks noGrp="1"/>
-          </p:cNvSpPr>
-          <p:nvPr>
-            <p:ph idx="1"/>
-          </p:nvPr>
-        </p:nvSpPr>
-        <p:spPr>
-          <a:xfrm>
-            <a:off x="684211" y="685800"/>
-            <a:ext cx="10502901" cy="4541520"/>
-          </a:xfrm>
-        </p:spPr>
-        <p:txBody>
-          <a:bodyPr>
-            <a:normAutofit fontScale="92500" lnSpcReduction="20000"/>
-          </a:bodyPr>
-          <a:lstStyle/>
-          <a:p>
-            <a:r>
-              <a:rPr lang="en-US" dirty="0" smtClean="0"/>
-              <a:t>ISSUE </a:t>
-            </a:r>
-            <a:r>
-              <a:rPr lang="uk-UA" dirty="0" smtClean="0"/>
-              <a:t>#3</a:t>
-            </a:r>
-            <a:r>
-              <a:rPr lang="en-US" dirty="0" smtClean="0"/>
-              <a:t> </a:t>
-            </a:r>
-            <a:r>
-              <a:rPr lang="mr-IN" dirty="0" smtClean="0"/>
-              <a:t>–</a:t>
-            </a:r>
-            <a:r>
-              <a:rPr lang="en-US" dirty="0" smtClean="0"/>
-              <a:t> Error Handling for user input of event not fully implemented</a:t>
-            </a:r>
-          </a:p>
-          <a:p>
-            <a:r>
-              <a:rPr lang="en-US" dirty="0"/>
-              <a:t>ISSUE </a:t>
-            </a:r>
-            <a:r>
-              <a:rPr lang="uk-UA" dirty="0" smtClean="0"/>
-              <a:t>#</a:t>
-            </a:r>
-            <a:r>
-              <a:rPr lang="en-US" dirty="0" smtClean="0"/>
-              <a:t>4 </a:t>
-            </a:r>
-            <a:r>
-              <a:rPr lang="mr-IN" dirty="0" smtClean="0"/>
-              <a:t>–</a:t>
-            </a:r>
-            <a:r>
-              <a:rPr lang="en-US" dirty="0" smtClean="0"/>
-              <a:t> Enhancement: Use date pickers and make other customizations for ease of use for event input form</a:t>
-            </a:r>
-          </a:p>
-          <a:p>
-            <a:r>
-              <a:rPr lang="en-US" dirty="0" smtClean="0"/>
-              <a:t>ISSUE </a:t>
-            </a:r>
-            <a:r>
-              <a:rPr lang="uk-UA" dirty="0" smtClean="0"/>
-              <a:t>#6</a:t>
-            </a:r>
-            <a:r>
-              <a:rPr lang="en-US" dirty="0" smtClean="0"/>
-              <a:t>, 7, 11, 20, 22 </a:t>
-            </a:r>
-            <a:r>
-              <a:rPr lang="mr-IN" dirty="0" smtClean="0"/>
-              <a:t>–</a:t>
-            </a:r>
-            <a:r>
-              <a:rPr lang="en-US" dirty="0" smtClean="0"/>
-              <a:t> ICS file import/export support not fully implemented</a:t>
-            </a:r>
-          </a:p>
-          <a:p>
-            <a:r>
-              <a:rPr lang="en-US" dirty="0" smtClean="0"/>
-              <a:t>ISSUE #12 </a:t>
-            </a:r>
-            <a:r>
-              <a:rPr lang="mr-IN" dirty="0" smtClean="0"/>
-              <a:t>–</a:t>
-            </a:r>
-            <a:r>
-              <a:rPr lang="en-US" dirty="0" smtClean="0"/>
-              <a:t> Remove print statements from all modules</a:t>
-            </a:r>
-            <a:endParaRPr lang="en-US" dirty="0"/>
-          </a:p>
-          <a:p>
-            <a:r>
-              <a:rPr lang="en-US" dirty="0" smtClean="0"/>
-              <a:t>ISSUE #13 </a:t>
-            </a:r>
-            <a:r>
-              <a:rPr lang="mr-IN" dirty="0" smtClean="0"/>
-              <a:t>–</a:t>
-            </a:r>
-            <a:r>
-              <a:rPr lang="en-US" dirty="0" smtClean="0"/>
-              <a:t> Write more unit tests for event and reminder times</a:t>
-            </a:r>
-          </a:p>
-          <a:p>
-            <a:r>
-              <a:rPr lang="en-US" dirty="0" smtClean="0"/>
-              <a:t>ISSUE #16 </a:t>
-            </a:r>
-            <a:r>
-              <a:rPr lang="mr-IN" dirty="0" smtClean="0"/>
-              <a:t>–</a:t>
-            </a:r>
-            <a:r>
-              <a:rPr lang="en-US" dirty="0" smtClean="0"/>
-              <a:t>Enhancement: </a:t>
-            </a:r>
-            <a:r>
-              <a:rPr lang="en-US" dirty="0" err="1" smtClean="0"/>
-              <a:t>Day_Mangage_Event_View</a:t>
-            </a:r>
-            <a:r>
-              <a:rPr lang="en-US" dirty="0" smtClean="0"/>
-              <a:t> screen needs UI improvements</a:t>
-            </a:r>
-          </a:p>
-          <a:p>
-            <a:r>
-              <a:rPr lang="en-US" dirty="0" smtClean="0"/>
-              <a:t>ISSUE </a:t>
-            </a:r>
-            <a:r>
-              <a:rPr lang="uk-UA" dirty="0" smtClean="0"/>
-              <a:t>#44</a:t>
-            </a:r>
-            <a:r>
-              <a:rPr lang="en-US" dirty="0" smtClean="0"/>
-              <a:t> </a:t>
-            </a:r>
-            <a:r>
-              <a:rPr lang="mr-IN" dirty="0" smtClean="0"/>
-              <a:t>–</a:t>
-            </a:r>
-            <a:r>
-              <a:rPr lang="en-US" dirty="0" smtClean="0"/>
-              <a:t> Cannot view a month other than the current month</a:t>
-            </a:r>
-          </a:p>
-          <a:p>
-            <a:r>
-              <a:rPr lang="en-US" dirty="0" smtClean="0"/>
-              <a:t>ISSUE </a:t>
-            </a:r>
-            <a:r>
-              <a:rPr lang="uk-UA" dirty="0" smtClean="0"/>
-              <a:t>#45</a:t>
-            </a:r>
-            <a:r>
-              <a:rPr lang="en-US" dirty="0" smtClean="0"/>
-              <a:t> </a:t>
-            </a:r>
-            <a:r>
-              <a:rPr lang="mr-IN" dirty="0" smtClean="0"/>
-              <a:t>–</a:t>
-            </a:r>
-            <a:r>
-              <a:rPr lang="en-US" dirty="0" smtClean="0"/>
-              <a:t> Integrate email and SMS reminders</a:t>
-            </a:r>
-            <a:endParaRPr lang="uk-UA" dirty="0"/>
-          </a:p>
-          <a:p>
-            <a:r>
-              <a:rPr lang="en-US" dirty="0" smtClean="0"/>
-              <a:t>ISSUE #46 </a:t>
-            </a:r>
-            <a:r>
-              <a:rPr lang="mr-IN" dirty="0" smtClean="0"/>
-              <a:t>–</a:t>
-            </a:r>
-            <a:r>
-              <a:rPr lang="en-US" dirty="0" smtClean="0"/>
-              <a:t> Integrate Mac desktop reminders</a:t>
-            </a:r>
-          </a:p>
-          <a:p>
-            <a:r>
-              <a:rPr lang="en-US" dirty="0" smtClean="0"/>
-              <a:t>ISSUE #47 </a:t>
-            </a:r>
-            <a:r>
-              <a:rPr lang="mr-IN" dirty="0" smtClean="0"/>
-              <a:t>–</a:t>
-            </a:r>
-            <a:r>
-              <a:rPr lang="en-US" dirty="0" smtClean="0"/>
-              <a:t> Add support for Windows and Linux desktop reminders</a:t>
-            </a:r>
-          </a:p>
-          <a:p>
-            <a:r>
-              <a:rPr lang="en-US" dirty="0" smtClean="0"/>
-              <a:t>ISSUE #48 </a:t>
-            </a:r>
-            <a:r>
-              <a:rPr lang="mr-IN" dirty="0" smtClean="0"/>
-              <a:t>–</a:t>
-            </a:r>
-            <a:r>
-              <a:rPr lang="en-US" dirty="0" smtClean="0"/>
-              <a:t> Function in time class should accept a date as a parameter </a:t>
-            </a:r>
-            <a:endParaRPr lang="uk-UA" dirty="0"/>
-          </a:p>
-        </p:txBody>
-      </p:sp>
-      <p:sp>
-        <p:nvSpPr>
-          <p:cNvPr id="4" name="Slide Number Placeholder 3"/>
-          <p:cNvSpPr>
-            <a:spLocks noGrp="1"/>
-          </p:cNvSpPr>
-          <p:nvPr>
-            <p:ph type="sldNum" sz="quarter" idx="12"/>
-          </p:nvPr>
-        </p:nvSpPr>
-        <p:spPr/>
-        <p:txBody>
-          <a:bodyPr/>
-          <a:lstStyle/>
-          <a:p>
-            <a:fld id="{74AB3515-C793-E547-AD4E-3226D67B40C1}" type="slidenum">
-              <a:rPr lang="en-US" smtClean="0"/>
-              <a:t>20</a:t>
-            </a:fld>
-            <a:endParaRPr lang="en-US"/>
-          </a:p>
-        </p:txBody>
-      </p:sp>
-    </p:spTree>
-    <p:extLst>
-      <p:ext uri="{BB962C8B-B14F-4D97-AF65-F5344CB8AC3E}">
-        <p14:creationId xmlns:p14="http://schemas.microsoft.com/office/powerpoint/2010/main" val="291521406"/>
-      </p:ext>
-    </p:extLst>
-  </p:cSld>
-  <p:clrMapOvr>
-    <a:masterClrMapping/>
-  </p:clrMapOvr>
-</p:sld>
-</file>
-
 <file path=ppt/slides/slide21.xml><?xml version="1.0" encoding="utf-8"?>
 <p:sld xmlns:a="http://schemas.openxmlformats.org/drawingml/2006/main" xmlns:r="http://schemas.openxmlformats.org/officeDocument/2006/relationships" xmlns:p="http://schemas.openxmlformats.org/presentationml/2006/main">
   <p:cSld>
@@ -8096,35 +7739,155 @@
             <p:ph type="title"/>
           </p:nvPr>
         </p:nvSpPr>
-        <p:spPr/>
-        <p:txBody>
-          <a:bodyPr/>
-          <a:lstStyle/>
-          <a:p>
-            <a:r>
-              <a:rPr lang="en-US" dirty="0" smtClean="0"/>
-              <a:t>Questions?</a:t>
+        <p:spPr>
+          <a:xfrm>
+            <a:off x="381000" y="5159903"/>
+            <a:ext cx="10896600" cy="1507067"/>
+          </a:xfrm>
+        </p:spPr>
+        <p:txBody>
+          <a:bodyPr>
+            <a:normAutofit fontScale="90000"/>
+          </a:bodyPr>
+          <a:lstStyle/>
+          <a:p>
+            <a:r>
+              <a:rPr lang="en-US" dirty="0"/>
+              <a:t>Summary of final code readiness for shipping (quality assessment and release notes)</a:t>
+            </a:r>
+          </a:p>
+        </p:txBody>
+      </p:sp>
+      <p:sp>
+        <p:nvSpPr>
+          <p:cNvPr id="3" name="Content Placeholder 2"/>
+          <p:cNvSpPr>
+            <a:spLocks noGrp="1"/>
+          </p:cNvSpPr>
+          <p:nvPr>
+            <p:ph idx="1"/>
+          </p:nvPr>
+        </p:nvSpPr>
+        <p:spPr>
+          <a:xfrm>
+            <a:off x="381000" y="209286"/>
+            <a:ext cx="11582400" cy="5159903"/>
+          </a:xfrm>
+        </p:spPr>
+        <p:txBody>
+          <a:bodyPr>
+            <a:normAutofit/>
+          </a:bodyPr>
+          <a:lstStyle/>
+          <a:p>
+            <a:r>
+              <a:rPr lang="en-US" dirty="0" err="1" smtClean="0"/>
+              <a:t>Calendar_View</a:t>
+            </a:r>
+            <a:r>
+              <a:rPr lang="en-US" dirty="0" smtClean="0"/>
+              <a:t> </a:t>
+            </a:r>
+            <a:r>
+              <a:rPr lang="mr-IN" dirty="0" smtClean="0"/>
+              <a:t>–</a:t>
+            </a:r>
+            <a:r>
+              <a:rPr lang="en-US" dirty="0" smtClean="0"/>
+              <a:t> Functional except for:</a:t>
+            </a:r>
+          </a:p>
+          <a:p>
+            <a:pPr lvl="1"/>
+            <a:r>
+              <a:rPr lang="en-US" dirty="0" smtClean="0"/>
+              <a:t>Viewing months other than the current month</a:t>
+            </a:r>
+          </a:p>
+          <a:p>
+            <a:pPr lvl="1"/>
+            <a:r>
+              <a:rPr lang="en-US" dirty="0" smtClean="0"/>
+              <a:t>Clicking the settings button</a:t>
+            </a:r>
+          </a:p>
+          <a:p>
+            <a:r>
+              <a:rPr lang="en-US" dirty="0" err="1" smtClean="0"/>
+              <a:t>Day_Manage_Event_View</a:t>
+            </a:r>
+            <a:r>
+              <a:rPr lang="en-US" dirty="0" smtClean="0"/>
+              <a:t> </a:t>
+            </a:r>
+            <a:r>
+              <a:rPr lang="mr-IN" dirty="0" smtClean="0"/>
+              <a:t>–</a:t>
+            </a:r>
+            <a:r>
+              <a:rPr lang="en-US" dirty="0" smtClean="0"/>
+              <a:t> Functional except for:</a:t>
+            </a:r>
+          </a:p>
+          <a:p>
+            <a:pPr lvl="1"/>
+            <a:r>
+              <a:rPr lang="en-US" dirty="0" smtClean="0"/>
+              <a:t>Error handling and feedback to user not fully implemented</a:t>
+            </a:r>
+          </a:p>
+          <a:p>
+            <a:pPr lvl="1"/>
+            <a:r>
+              <a:rPr lang="en-US" dirty="0" smtClean="0"/>
+              <a:t>Cant modify or delete an event</a:t>
+            </a:r>
+          </a:p>
+          <a:p>
+            <a:pPr lvl="1"/>
+            <a:r>
+              <a:rPr lang="en-US" dirty="0" smtClean="0"/>
+              <a:t>Looks bad/messy</a:t>
+            </a:r>
+          </a:p>
+          <a:p>
+            <a:r>
+              <a:rPr lang="en-US" dirty="0" smtClean="0"/>
+              <a:t>Send Desktop Reminders </a:t>
+            </a:r>
+            <a:r>
+              <a:rPr lang="mr-IN" dirty="0" smtClean="0"/>
+              <a:t>–</a:t>
+            </a:r>
+            <a:endParaRPr lang="en-US" dirty="0" smtClean="0"/>
+          </a:p>
+          <a:p>
+            <a:pPr lvl="1"/>
+            <a:r>
+              <a:rPr lang="en-US" dirty="0" smtClean="0"/>
+              <a:t>Code written for Mac, but not yet integrated because of complexity</a:t>
+            </a:r>
+          </a:p>
+          <a:p>
+            <a:pPr lvl="1"/>
+            <a:r>
+              <a:rPr lang="en-US" dirty="0" smtClean="0"/>
+              <a:t>Code not written for Windows or Linux reminders</a:t>
+            </a:r>
+          </a:p>
+          <a:p>
+            <a:r>
+              <a:rPr lang="en-US" dirty="0" smtClean="0"/>
+              <a:t>Send Email and SMS Reminders From Server</a:t>
+            </a:r>
+          </a:p>
+          <a:p>
+            <a:pPr lvl="1"/>
+            <a:r>
+              <a:rPr lang="en-US" dirty="0" smtClean="0"/>
+              <a:t>Code written but not yet integrated due to complexity</a:t>
             </a:r>
             <a:endParaRPr lang="en-US" dirty="0"/>
-          </a:p>
-        </p:txBody>
-      </p:sp>
-      <p:sp>
-        <p:nvSpPr>
-          <p:cNvPr id="3" name="Content Placeholder 2"/>
-          <p:cNvSpPr>
-            <a:spLocks noGrp="1"/>
-          </p:cNvSpPr>
-          <p:nvPr>
-            <p:ph idx="1"/>
-          </p:nvPr>
-        </p:nvSpPr>
-        <p:spPr/>
-        <p:txBody>
-          <a:bodyPr/>
-          <a:lstStyle/>
-          <a:p>
-            <a:endParaRPr lang="en-US"/>
           </a:p>
         </p:txBody>
       </p:sp>
@@ -8154,7 +7917,7 @@
     </p:spTree>
     <p:extLst>
       <p:ext uri="{BB962C8B-B14F-4D97-AF65-F5344CB8AC3E}">
-        <p14:creationId xmlns:p14="http://schemas.microsoft.com/office/powerpoint/2010/main" val="2130981100"/>
+        <p14:creationId xmlns:p14="http://schemas.microsoft.com/office/powerpoint/2010/main" val="1963286473"/>
       </p:ext>
     </p:extLst>
   </p:cSld>
@@ -8191,28 +7954,122 @@
             <p:ph type="title"/>
           </p:nvPr>
         </p:nvSpPr>
+        <p:spPr/>
+        <p:txBody>
+          <a:bodyPr/>
+          <a:lstStyle/>
+          <a:p>
+            <a:r>
+              <a:rPr lang="en-US" dirty="0" smtClean="0"/>
+              <a:t>Issues overview</a:t>
+            </a:r>
+            <a:endParaRPr lang="en-US" dirty="0"/>
+          </a:p>
+        </p:txBody>
+      </p:sp>
+      <p:sp>
+        <p:nvSpPr>
+          <p:cNvPr id="3" name="Content Placeholder 2"/>
+          <p:cNvSpPr>
+            <a:spLocks noGrp="1"/>
+          </p:cNvSpPr>
+          <p:nvPr>
+            <p:ph idx="1"/>
+          </p:nvPr>
+        </p:nvSpPr>
         <p:spPr>
           <a:xfrm>
-            <a:off x="1698625" y="2493433"/>
-            <a:ext cx="8534400" cy="1507067"/>
+            <a:off x="684212" y="685800"/>
+            <a:ext cx="10645776" cy="3615267"/>
           </a:xfrm>
         </p:spPr>
         <p:txBody>
           <a:bodyPr/>
           <a:lstStyle/>
           <a:p>
-            <a:pPr algn="ctr"/>
-            <a:r>
-              <a:rPr lang="en-US" dirty="0" smtClean="0"/>
-              <a:t>Backup Slides</a:t>
-            </a:r>
-            <a:endParaRPr lang="en-US" dirty="0"/>
-          </a:p>
-        </p:txBody>
-      </p:sp>
-      <p:sp>
-        <p:nvSpPr>
-          <p:cNvPr id="5" name="Slide Number Placeholder 4"/>
+            <a:r>
+              <a:rPr lang="en-US" dirty="0" smtClean="0"/>
+              <a:t>48 Total Issues</a:t>
+            </a:r>
+          </a:p>
+          <a:p>
+            <a:r>
+              <a:rPr lang="en-US" dirty="0" smtClean="0"/>
+              <a:t>33 Issues closed</a:t>
+            </a:r>
+          </a:p>
+          <a:p>
+            <a:r>
+              <a:rPr lang="en-US" dirty="0" smtClean="0"/>
+              <a:t>15 Issues remain open</a:t>
+            </a:r>
+          </a:p>
+          <a:p>
+            <a:pPr lvl="1"/>
+            <a:r>
+              <a:rPr lang="en-US" dirty="0" smtClean="0"/>
+              <a:t>Delay </a:t>
+            </a:r>
+            <a:r>
+              <a:rPr lang="mr-IN" dirty="0" smtClean="0"/>
+              <a:t>–</a:t>
+            </a:r>
+            <a:r>
+              <a:rPr lang="en-US" dirty="0" smtClean="0"/>
+              <a:t> 3 (#3, #44, </a:t>
+            </a:r>
+            <a:r>
+              <a:rPr lang="en-US" dirty="0"/>
+              <a:t>#</a:t>
+            </a:r>
+            <a:r>
+              <a:rPr lang="en-US" dirty="0" smtClean="0"/>
+              <a:t>12)</a:t>
+            </a:r>
+          </a:p>
+          <a:p>
+            <a:pPr lvl="1"/>
+            <a:r>
+              <a:rPr lang="en-US" dirty="0" smtClean="0"/>
+              <a:t>Enhancements </a:t>
+            </a:r>
+            <a:r>
+              <a:rPr lang="mr-IN" dirty="0" smtClean="0"/>
+              <a:t>–</a:t>
+            </a:r>
+            <a:r>
+              <a:rPr lang="en-US" dirty="0" smtClean="0"/>
+              <a:t> 12 (#4, #6, #7, #11, #20, #22, #13, #16, #45 ,#46 , #47, #48)</a:t>
+            </a:r>
+          </a:p>
+          <a:p>
+            <a:r>
+              <a:rPr lang="en-US" dirty="0" smtClean="0"/>
+              <a:t>Current issue list </a:t>
+            </a:r>
+            <a:r>
+              <a:rPr lang="en-US" dirty="0"/>
+              <a:t>- </a:t>
+            </a:r>
+            <a:r>
+              <a:rPr lang="en-US" dirty="0">
+                <a:hlinkClick r:id="rId2"/>
+              </a:rPr>
+              <a:t>https://</a:t>
+            </a:r>
+            <a:r>
+              <a:rPr lang="en-US" dirty="0" smtClean="0">
+                <a:hlinkClick r:id="rId2"/>
+              </a:rPr>
+              <a:t>github.com/AndrewERAU/Calendar/issues</a:t>
+            </a:r>
+            <a:endParaRPr lang="en-US" dirty="0" smtClean="0"/>
+          </a:p>
+        </p:txBody>
+      </p:sp>
+      <p:sp>
+        <p:nvSpPr>
+          <p:cNvPr id="4" name="Slide Number Placeholder 3"/>
           <p:cNvSpPr>
             <a:spLocks noGrp="1"/>
           </p:cNvSpPr>
@@ -8236,7 +8093,7 @@
     </p:spTree>
     <p:extLst>
       <p:ext uri="{BB962C8B-B14F-4D97-AF65-F5344CB8AC3E}">
-        <p14:creationId xmlns:p14="http://schemas.microsoft.com/office/powerpoint/2010/main" val="1410953280"/>
+        <p14:creationId xmlns:p14="http://schemas.microsoft.com/office/powerpoint/2010/main" val="1311244990"/>
       </p:ext>
     </p:extLst>
   </p:cSld>
@@ -8273,14 +8130,19 @@
             <p:ph type="title"/>
           </p:nvPr>
         </p:nvSpPr>
-        <p:spPr/>
-        <p:txBody>
-          <a:bodyPr/>
-          <a:lstStyle/>
-          <a:p>
-            <a:r>
-              <a:rPr lang="en-US" dirty="0" smtClean="0"/>
-              <a:t>More acceptance test plans</a:t>
+        <p:spPr>
+          <a:xfrm>
+            <a:off x="684211" y="5494866"/>
+            <a:ext cx="8534400" cy="1507067"/>
+          </a:xfrm>
+        </p:spPr>
+        <p:txBody>
+          <a:bodyPr/>
+          <a:lstStyle/>
+          <a:p>
+            <a:r>
+              <a:rPr lang="en-US" dirty="0" smtClean="0"/>
+              <a:t>Issues Status</a:t>
             </a:r>
             <a:endParaRPr lang="en-US" dirty="0"/>
           </a:p>
@@ -8299,59 +8161,218 @@
         <p:spPr>
           <a:xfrm>
             <a:off x="684211" y="685800"/>
-            <a:ext cx="10317163" cy="3615267"/>
+            <a:ext cx="10502901" cy="5242560"/>
           </a:xfrm>
         </p:spPr>
         <p:txBody>
-          <a:bodyPr/>
-          <a:lstStyle/>
+          <a:bodyPr>
+            <a:normAutofit lnSpcReduction="10000"/>
+          </a:bodyPr>
+          <a:lstStyle/>
+          <a:p>
+            <a:r>
+              <a:rPr lang="en-US" dirty="0" smtClean="0"/>
+              <a:t>ISSUE </a:t>
+            </a:r>
+            <a:r>
+              <a:rPr lang="uk-UA" dirty="0" smtClean="0"/>
+              <a:t>#3</a:t>
+            </a:r>
+            <a:r>
+              <a:rPr lang="en-US" dirty="0" smtClean="0"/>
+              <a:t> </a:t>
+            </a:r>
+            <a:r>
+              <a:rPr lang="mr-IN" dirty="0" smtClean="0"/>
+              <a:t>–</a:t>
+            </a:r>
+            <a:r>
+              <a:rPr lang="en-US" dirty="0" smtClean="0"/>
+              <a:t> Error Handling for user input of event not fully implemented</a:t>
+            </a:r>
+          </a:p>
           <a:p>
             <a:r>
               <a:rPr lang="en-US" dirty="0"/>
-              <a:t>The application shall send </a:t>
-            </a:r>
-            <a:r>
-              <a:rPr lang="en-US" dirty="0" smtClean="0"/>
-              <a:t>reminders</a:t>
-            </a:r>
-          </a:p>
-          <a:p>
-            <a:pPr lvl="1"/>
-            <a:r>
-              <a:rPr lang="en-US" dirty="0" smtClean="0"/>
-              <a:t>Desktop Reminders: To test this, we will write a test driver that calls the desktop reminder function and provides the appropriate inputs.  The script will then read the contents of the user’s </a:t>
+              <a:t>ISSUE </a:t>
+            </a:r>
+            <a:r>
+              <a:rPr lang="uk-UA" dirty="0" smtClean="0"/>
+              <a:t>#</a:t>
+            </a:r>
+            <a:r>
+              <a:rPr lang="en-US" dirty="0" smtClean="0"/>
+              <a:t>4 </a:t>
+            </a:r>
+            <a:r>
+              <a:rPr lang="mr-IN" dirty="0" smtClean="0"/>
+              <a:t>–</a:t>
+            </a:r>
+            <a:r>
+              <a:rPr lang="en-US" dirty="0" smtClean="0"/>
+              <a:t> Enhancement: Use date pickers and make other customizations for ease of use for event input form</a:t>
+            </a:r>
+          </a:p>
+          <a:p>
+            <a:r>
+              <a:rPr lang="en-US" dirty="0" smtClean="0"/>
+              <a:t>ISSUE </a:t>
+            </a:r>
+            <a:r>
+              <a:rPr lang="uk-UA" dirty="0" smtClean="0"/>
+              <a:t>#6</a:t>
+            </a:r>
+            <a:r>
+              <a:rPr lang="en-US" dirty="0" smtClean="0"/>
+              <a:t>, 7, 11, 20, 22 </a:t>
+            </a:r>
+            <a:r>
+              <a:rPr lang="mr-IN" dirty="0" smtClean="0"/>
+              <a:t>–</a:t>
+            </a:r>
+            <a:r>
+              <a:rPr lang="en-US" dirty="0" smtClean="0"/>
+              <a:t> ICS file import/export support not fully implemented</a:t>
+            </a:r>
+          </a:p>
+          <a:p>
+            <a:r>
+              <a:rPr lang="en-US" dirty="0" smtClean="0"/>
+              <a:t>ISSUE #12 </a:t>
+            </a:r>
+            <a:r>
+              <a:rPr lang="mr-IN" dirty="0" smtClean="0"/>
+              <a:t>–</a:t>
+            </a:r>
+            <a:r>
+              <a:rPr lang="en-US" dirty="0" smtClean="0"/>
+              <a:t> Remove print statements from all modules</a:t>
+            </a:r>
+            <a:endParaRPr lang="en-US" dirty="0"/>
+          </a:p>
+          <a:p>
+            <a:r>
+              <a:rPr lang="en-US" dirty="0" smtClean="0"/>
+              <a:t>ISSUE #13 </a:t>
+            </a:r>
+            <a:r>
+              <a:rPr lang="mr-IN" dirty="0" smtClean="0"/>
+              <a:t>–</a:t>
+            </a:r>
+            <a:r>
+              <a:rPr lang="en-US" dirty="0" smtClean="0"/>
+              <a:t> Write more unit tests for event and reminder times</a:t>
+            </a:r>
+          </a:p>
+          <a:p>
+            <a:r>
+              <a:rPr lang="en-US" dirty="0" smtClean="0"/>
+              <a:t>ISSUE #16 </a:t>
+            </a:r>
+            <a:r>
+              <a:rPr lang="mr-IN" dirty="0" smtClean="0"/>
+              <a:t>–</a:t>
+            </a:r>
+            <a:r>
+              <a:rPr lang="en-US" dirty="0" smtClean="0"/>
+              <a:t>Enhancement: </a:t>
             </a:r>
             <a:r>
               <a:rPr lang="en-US" dirty="0" err="1" smtClean="0"/>
-              <a:t>crontab</a:t>
-            </a:r>
-            <a:r>
-              <a:rPr lang="en-US" dirty="0" smtClean="0"/>
-              <a:t> file to verify that the </a:t>
-            </a:r>
-            <a:r>
-              <a:rPr lang="en-US" dirty="0" err="1" smtClean="0"/>
-              <a:t>crontab</a:t>
-            </a:r>
-            <a:r>
-              <a:rPr lang="en-US" dirty="0" smtClean="0"/>
-              <a:t> has been successfully installed.</a:t>
-            </a:r>
-          </a:p>
-          <a:p>
-            <a:pPr lvl="2"/>
-            <a:r>
-              <a:rPr lang="en-US" dirty="0" smtClean="0"/>
-              <a:t>The jar file that sends the desktop reminders will be tested manually to ensure that running it causes a reminder to be displayed</a:t>
-            </a:r>
-          </a:p>
-          <a:p>
-            <a:pPr lvl="1"/>
-            <a:r>
-              <a:rPr lang="en-US" dirty="0" smtClean="0"/>
-              <a:t>Email and SMS Reminders: To test this, we will write test drivers that call the the email and SMS reminder functions to schedule a reminder.  We will then manually check for the reminder at the specified email address or phone number</a:t>
-            </a:r>
-            <a:endParaRPr lang="en-US" dirty="0"/>
+              <a:t>Day_Mangage_Event_View</a:t>
+            </a:r>
+            <a:r>
+              <a:rPr lang="en-US" dirty="0" smtClean="0"/>
+              <a:t> screen needs UI improvements</a:t>
+            </a:r>
+          </a:p>
+          <a:p>
+            <a:r>
+              <a:rPr lang="en-US" dirty="0" smtClean="0"/>
+              <a:t>ISSUE </a:t>
+            </a:r>
+            <a:r>
+              <a:rPr lang="uk-UA" dirty="0" smtClean="0"/>
+              <a:t>#44</a:t>
+            </a:r>
+            <a:r>
+              <a:rPr lang="en-US" dirty="0" smtClean="0"/>
+              <a:t> </a:t>
+            </a:r>
+            <a:r>
+              <a:rPr lang="mr-IN" dirty="0" smtClean="0"/>
+              <a:t>–</a:t>
+            </a:r>
+            <a:r>
+              <a:rPr lang="en-US" dirty="0" smtClean="0"/>
+              <a:t> Cannot view a month other than the current month</a:t>
+            </a:r>
+          </a:p>
+          <a:p>
+            <a:r>
+              <a:rPr lang="en-US" dirty="0" smtClean="0"/>
+              <a:t>ISSUE </a:t>
+            </a:r>
+            <a:r>
+              <a:rPr lang="uk-UA" dirty="0" smtClean="0"/>
+              <a:t>#45</a:t>
+            </a:r>
+            <a:r>
+              <a:rPr lang="en-US" dirty="0" smtClean="0"/>
+              <a:t> </a:t>
+            </a:r>
+            <a:r>
+              <a:rPr lang="mr-IN" dirty="0" smtClean="0"/>
+              <a:t>–</a:t>
+            </a:r>
+            <a:r>
+              <a:rPr lang="en-US" dirty="0" smtClean="0"/>
+              <a:t> Integrate email and SMS reminders</a:t>
+            </a:r>
+            <a:endParaRPr lang="uk-UA" dirty="0"/>
+          </a:p>
+          <a:p>
+            <a:r>
+              <a:rPr lang="en-US" dirty="0" smtClean="0"/>
+              <a:t>ISSUE #46 </a:t>
+            </a:r>
+            <a:r>
+              <a:rPr lang="mr-IN" dirty="0" smtClean="0"/>
+              <a:t>–</a:t>
+            </a:r>
+            <a:r>
+              <a:rPr lang="en-US" dirty="0" smtClean="0"/>
+              <a:t> Integrate Mac desktop reminders</a:t>
+            </a:r>
+          </a:p>
+          <a:p>
+            <a:r>
+              <a:rPr lang="en-US" dirty="0" smtClean="0"/>
+              <a:t>ISSUE #47 </a:t>
+            </a:r>
+            <a:r>
+              <a:rPr lang="mr-IN" dirty="0" smtClean="0"/>
+              <a:t>–</a:t>
+            </a:r>
+            <a:r>
+              <a:rPr lang="en-US" dirty="0" smtClean="0"/>
+              <a:t> Add support for Windows and Linux desktop reminders</a:t>
+            </a:r>
+          </a:p>
+          <a:p>
+            <a:r>
+              <a:rPr lang="en-US" dirty="0" smtClean="0"/>
+              <a:t>ISSUE #48 </a:t>
+            </a:r>
+            <a:r>
+              <a:rPr lang="mr-IN" dirty="0" smtClean="0"/>
+              <a:t>–</a:t>
+            </a:r>
+            <a:r>
+              <a:rPr lang="en-US" dirty="0" smtClean="0"/>
+              <a:t> Function in time class should accept a date as a parameter </a:t>
+            </a:r>
+            <a:endParaRPr lang="uk-UA" dirty="0"/>
           </a:p>
         </p:txBody>
       </p:sp>
@@ -8381,7 +8402,7 @@
     </p:spTree>
     <p:extLst>
       <p:ext uri="{BB962C8B-B14F-4D97-AF65-F5344CB8AC3E}">
-        <p14:creationId xmlns:p14="http://schemas.microsoft.com/office/powerpoint/2010/main" val="2074344762"/>
+        <p14:creationId xmlns:p14="http://schemas.microsoft.com/office/powerpoint/2010/main" val="291521406"/>
       </p:ext>
     </p:extLst>
   </p:cSld>
@@ -8425,7 +8446,7 @@
           <a:p>
             <a:r>
               <a:rPr lang="en-US" dirty="0" smtClean="0"/>
-              <a:t>More Acceptance test plans</a:t>
+              <a:t>Questions?</a:t>
             </a:r>
             <a:endParaRPr lang="en-US" dirty="0"/>
           </a:p>
@@ -8446,58 +8467,7 @@
           <a:bodyPr/>
           <a:lstStyle/>
           <a:p>
-            <a:r>
-              <a:rPr lang="en-US" dirty="0" smtClean="0"/>
-              <a:t>ICS File Export</a:t>
-            </a:r>
-          </a:p>
-          <a:p>
-            <a:pPr lvl="1"/>
-            <a:r>
-              <a:rPr lang="en-US" dirty="0" smtClean="0"/>
-              <a:t>To </a:t>
-            </a:r>
-            <a:r>
-              <a:rPr lang="en-US" dirty="0"/>
-              <a:t>test the application’s functionality to export an .</a:t>
-            </a:r>
-            <a:r>
-              <a:rPr lang="en-US" dirty="0" err="1"/>
-              <a:t>ics</a:t>
-            </a:r>
-            <a:r>
-              <a:rPr lang="en-US" dirty="0"/>
-              <a:t> file, we will use a simple black box test. We will start by creating various events and add them to the calendar. The application will then be used to export the calendar to an .</a:t>
-            </a:r>
-            <a:r>
-              <a:rPr lang="en-US" dirty="0" err="1"/>
-              <a:t>ics</a:t>
-            </a:r>
-            <a:r>
-              <a:rPr lang="en-US" dirty="0"/>
-              <a:t> file. Once the .</a:t>
-            </a:r>
-            <a:r>
-              <a:rPr lang="en-US" dirty="0" err="1"/>
-              <a:t>ics</a:t>
-            </a:r>
-            <a:r>
-              <a:rPr lang="en-US" dirty="0"/>
-              <a:t> file has been created, </a:t>
-            </a:r>
-            <a:r>
-              <a:rPr lang="en-US" dirty="0" smtClean="0"/>
-              <a:t>we will pass it to a program that verifies </a:t>
-            </a:r>
-            <a:r>
-              <a:rPr lang="en-US" dirty="0" err="1" smtClean="0"/>
-              <a:t>iCS</a:t>
-            </a:r>
-            <a:r>
-              <a:rPr lang="en-US" dirty="0" smtClean="0"/>
-              <a:t> files are in the proper format to ensure it was exported correctly.</a:t>
-            </a:r>
-            <a:endParaRPr lang="en-US" dirty="0"/>
+            <a:endParaRPr lang="en-US"/>
           </a:p>
         </p:txBody>
       </p:sp>
@@ -8527,7 +8497,7 @@
     </p:spTree>
     <p:extLst>
       <p:ext uri="{BB962C8B-B14F-4D97-AF65-F5344CB8AC3E}">
-        <p14:creationId xmlns:p14="http://schemas.microsoft.com/office/powerpoint/2010/main" val="287438903"/>
+        <p14:creationId xmlns:p14="http://schemas.microsoft.com/office/powerpoint/2010/main" val="2130981100"/>
       </p:ext>
     </p:extLst>
   </p:cSld>
@@ -8564,93 +8534,28 @@
             <p:ph type="title"/>
           </p:nvPr>
         </p:nvSpPr>
-        <p:spPr/>
-        <p:txBody>
-          <a:bodyPr/>
-          <a:lstStyle/>
-          <a:p>
-            <a:r>
-              <a:rPr lang="en-US" dirty="0"/>
-              <a:t>More Acceptance test plans</a:t>
-            </a:r>
-          </a:p>
-        </p:txBody>
-      </p:sp>
-      <p:sp>
-        <p:nvSpPr>
-          <p:cNvPr id="3" name="Content Placeholder 2"/>
-          <p:cNvSpPr>
-            <a:spLocks noGrp="1"/>
-          </p:cNvSpPr>
-          <p:nvPr>
-            <p:ph idx="1"/>
-          </p:nvPr>
-        </p:nvSpPr>
-        <p:spPr/>
-        <p:txBody>
-          <a:bodyPr/>
-          <a:lstStyle/>
-          <a:p>
-            <a:r>
-              <a:rPr lang="en-US" dirty="0"/>
-              <a:t>ICS File </a:t>
-            </a:r>
-            <a:r>
-              <a:rPr lang="en-US" dirty="0" smtClean="0"/>
-              <a:t>Import</a:t>
-            </a:r>
-          </a:p>
-          <a:p>
-            <a:pPr lvl="1"/>
-            <a:r>
-              <a:rPr lang="en-US" dirty="0"/>
-              <a:t>To test the application’s functionality to import </a:t>
-            </a:r>
-            <a:r>
-              <a:rPr lang="en-US" dirty="0" smtClean="0"/>
-              <a:t>events from ICS files, </a:t>
-            </a:r>
-            <a:r>
-              <a:rPr lang="en-US" dirty="0"/>
-              <a:t>we will use a black box test. We will start by </a:t>
-            </a:r>
-            <a:r>
-              <a:rPr lang="en-US" dirty="0" smtClean="0"/>
-              <a:t>generating a .</a:t>
-            </a:r>
-            <a:r>
-              <a:rPr lang="en-US" dirty="0" err="1" smtClean="0"/>
-              <a:t>ics</a:t>
-            </a:r>
-            <a:r>
-              <a:rPr lang="en-US" dirty="0" smtClean="0"/>
-              <a:t> file in the standard format. </a:t>
-            </a:r>
-            <a:r>
-              <a:rPr lang="en-US" dirty="0"/>
-              <a:t>From there, we will use our application to import the .</a:t>
-            </a:r>
-            <a:r>
-              <a:rPr lang="en-US" dirty="0" err="1"/>
-              <a:t>ics</a:t>
-            </a:r>
-            <a:r>
-              <a:rPr lang="en-US" dirty="0"/>
-              <a:t> file. The events in the application will then be compared to the original to ensure that all of the data is intact.  </a:t>
-            </a:r>
-          </a:p>
-          <a:p>
-            <a:pPr lvl="1"/>
+        <p:spPr>
+          <a:xfrm>
+            <a:off x="1698625" y="2493433"/>
+            <a:ext cx="8534400" cy="1507067"/>
+          </a:xfrm>
+        </p:spPr>
+        <p:txBody>
+          <a:bodyPr/>
+          <a:lstStyle/>
+          <a:p>
+            <a:pPr algn="ctr"/>
+            <a:r>
+              <a:rPr lang="en-US" dirty="0" smtClean="0"/>
+              <a:t>Backup Slides</a:t>
+            </a:r>
             <a:endParaRPr lang="en-US" dirty="0"/>
           </a:p>
-          <a:p>
-            <a:endParaRPr lang="en-US" dirty="0"/>
-          </a:p>
-        </p:txBody>
-      </p:sp>
-      <p:sp>
-        <p:nvSpPr>
-          <p:cNvPr id="4" name="Slide Number Placeholder 3"/>
+        </p:txBody>
+      </p:sp>
+      <p:sp>
+        <p:nvSpPr>
+          <p:cNvPr id="5" name="Slide Number Placeholder 4"/>
           <p:cNvSpPr>
             <a:spLocks noGrp="1"/>
           </p:cNvSpPr>
@@ -8674,7 +8579,7 @@
     </p:spTree>
     <p:extLst>
       <p:ext uri="{BB962C8B-B14F-4D97-AF65-F5344CB8AC3E}">
-        <p14:creationId xmlns:p14="http://schemas.microsoft.com/office/powerpoint/2010/main" val="503777152"/>
+        <p14:creationId xmlns:p14="http://schemas.microsoft.com/office/powerpoint/2010/main" val="1410953280"/>
       </p:ext>
     </p:extLst>
   </p:cSld>
@@ -8711,10 +8616,33 @@
             <p:ph type="title"/>
           </p:nvPr>
         </p:nvSpPr>
+        <p:spPr/>
+        <p:txBody>
+          <a:bodyPr/>
+          <a:lstStyle/>
+          <a:p>
+            <a:r>
+              <a:rPr lang="en-US" dirty="0" smtClean="0"/>
+              <a:t>More acceptance test plans</a:t>
+            </a:r>
+            <a:endParaRPr lang="en-US" dirty="0"/>
+          </a:p>
+        </p:txBody>
+      </p:sp>
+      <p:sp>
+        <p:nvSpPr>
+          <p:cNvPr id="3" name="Content Placeholder 2"/>
+          <p:cNvSpPr>
+            <a:spLocks noGrp="1"/>
+          </p:cNvSpPr>
+          <p:nvPr>
+            <p:ph idx="1"/>
+          </p:nvPr>
+        </p:nvSpPr>
         <p:spPr>
           <a:xfrm>
-            <a:off x="541337" y="5579533"/>
-            <a:ext cx="8534400" cy="1507067"/>
+            <a:off x="684211" y="685800"/>
+            <a:ext cx="10317163" cy="3615267"/>
           </a:xfrm>
         </p:spPr>
         <p:txBody>
@@ -8722,45 +8650,57 @@
           <a:lstStyle/>
           <a:p>
             <a:r>
-              <a:rPr lang="en-US" smtClean="0"/>
-              <a:t>Add Event Junit test</a:t>
-            </a:r>
-            <a:endParaRPr lang="en-US"/>
-          </a:p>
-        </p:txBody>
-      </p:sp>
-      <p:pic>
-        <p:nvPicPr>
-          <p:cNvPr id="4" name="Content Placeholder 3"/>
-          <p:cNvPicPr>
-            <a:picLocks noGrp="1" noChangeAspect="1"/>
-          </p:cNvPicPr>
-          <p:nvPr>
-            <p:ph idx="1"/>
-          </p:nvPr>
-        </p:nvPicPr>
-        <p:blipFill>
-          <a:blip r:embed="rId2">
-            <a:extLst>
-              <a:ext uri="{28A0092B-C50C-407E-A947-70E740481C1C}">
-                <a14:useLocalDpi xmlns:a14="http://schemas.microsoft.com/office/drawing/2010/main" val="0"/>
-              </a:ext>
-            </a:extLst>
-          </a:blip>
-          <a:stretch>
-            <a:fillRect/>
-          </a:stretch>
-        </p:blipFill>
-        <p:spPr>
-          <a:xfrm>
-            <a:off x="1565489" y="-1"/>
-            <a:ext cx="8850099" cy="5987313"/>
-          </a:xfrm>
-        </p:spPr>
-      </p:pic>
-      <p:sp>
-        <p:nvSpPr>
-          <p:cNvPr id="5" name="Slide Number Placeholder 4"/>
+              <a:rPr lang="en-US" dirty="0"/>
+              <a:t>The application shall send </a:t>
+            </a:r>
+            <a:r>
+              <a:rPr lang="en-US" dirty="0" smtClean="0"/>
+              <a:t>reminders</a:t>
+            </a:r>
+          </a:p>
+          <a:p>
+            <a:pPr lvl="1"/>
+            <a:r>
+              <a:rPr lang="en-US" dirty="0" smtClean="0"/>
+              <a:t>Desktop Reminders: To test this, we will write a test driver that calls the desktop reminder function and provides the appropriate inputs.  The script will then read the contents of the user’s </a:t>
+            </a:r>
+            <a:r>
+              <a:rPr lang="en-US" dirty="0" err="1" smtClean="0"/>
+              <a:t>crontab</a:t>
+            </a:r>
+            <a:r>
+              <a:rPr lang="en-US" dirty="0" smtClean="0"/>
+              <a:t> file to verify that the </a:t>
+            </a:r>
+            <a:r>
+              <a:rPr lang="en-US" dirty="0" err="1" smtClean="0"/>
+              <a:t>crontab</a:t>
+            </a:r>
+            <a:r>
+              <a:rPr lang="en-US" dirty="0" smtClean="0"/>
+              <a:t> has been successfully installed.</a:t>
+            </a:r>
+          </a:p>
+          <a:p>
+            <a:pPr lvl="2"/>
+            <a:r>
+              <a:rPr lang="en-US" dirty="0" smtClean="0"/>
+              <a:t>The jar file that sends the desktop reminders will be tested manually to ensure that running it causes a reminder to be displayed</a:t>
+            </a:r>
+          </a:p>
+          <a:p>
+            <a:pPr lvl="1"/>
+            <a:r>
+              <a:rPr lang="en-US" dirty="0" smtClean="0"/>
+              <a:t>Email and SMS Reminders: To test this, we will write test drivers that call the the email and SMS reminder functions to schedule a reminder.  We will then manually check for the reminder at the specified email address or phone number</a:t>
+            </a:r>
+            <a:endParaRPr lang="en-US" dirty="0"/>
+          </a:p>
+        </p:txBody>
+      </p:sp>
+      <p:sp>
+        <p:nvSpPr>
+          <p:cNvPr id="4" name="Slide Number Placeholder 3"/>
           <p:cNvSpPr>
             <a:spLocks noGrp="1"/>
           </p:cNvSpPr>
@@ -8784,7 +8724,7 @@
     </p:spTree>
     <p:extLst>
       <p:ext uri="{BB962C8B-B14F-4D97-AF65-F5344CB8AC3E}">
-        <p14:creationId xmlns:p14="http://schemas.microsoft.com/office/powerpoint/2010/main" val="789978463"/>
+        <p14:creationId xmlns:p14="http://schemas.microsoft.com/office/powerpoint/2010/main" val="2074344762"/>
       </p:ext>
     </p:extLst>
   </p:cSld>
@@ -8821,9 +8761,302 @@
             <p:ph type="title"/>
           </p:nvPr>
         </p:nvSpPr>
+        <p:spPr/>
+        <p:txBody>
+          <a:bodyPr/>
+          <a:lstStyle/>
+          <a:p>
+            <a:r>
+              <a:rPr lang="en-US" dirty="0" smtClean="0"/>
+              <a:t>More Acceptance test plans</a:t>
+            </a:r>
+            <a:endParaRPr lang="en-US" dirty="0"/>
+          </a:p>
+        </p:txBody>
+      </p:sp>
+      <p:sp>
+        <p:nvSpPr>
+          <p:cNvPr id="3" name="Content Placeholder 2"/>
+          <p:cNvSpPr>
+            <a:spLocks noGrp="1"/>
+          </p:cNvSpPr>
+          <p:nvPr>
+            <p:ph idx="1"/>
+          </p:nvPr>
+        </p:nvSpPr>
+        <p:spPr/>
+        <p:txBody>
+          <a:bodyPr/>
+          <a:lstStyle/>
+          <a:p>
+            <a:r>
+              <a:rPr lang="en-US" dirty="0" smtClean="0"/>
+              <a:t>ICS File Export</a:t>
+            </a:r>
+          </a:p>
+          <a:p>
+            <a:pPr lvl="1"/>
+            <a:r>
+              <a:rPr lang="en-US" dirty="0" smtClean="0"/>
+              <a:t>To </a:t>
+            </a:r>
+            <a:r>
+              <a:rPr lang="en-US" dirty="0"/>
+              <a:t>test the application’s functionality to export an .</a:t>
+            </a:r>
+            <a:r>
+              <a:rPr lang="en-US" dirty="0" err="1"/>
+              <a:t>ics</a:t>
+            </a:r>
+            <a:r>
+              <a:rPr lang="en-US" dirty="0"/>
+              <a:t> file, we will use a simple black box test. We will start by creating various events and add them to the calendar. The application will then be used to export the calendar to an .</a:t>
+            </a:r>
+            <a:r>
+              <a:rPr lang="en-US" dirty="0" err="1"/>
+              <a:t>ics</a:t>
+            </a:r>
+            <a:r>
+              <a:rPr lang="en-US" dirty="0"/>
+              <a:t> file. Once the .</a:t>
+            </a:r>
+            <a:r>
+              <a:rPr lang="en-US" dirty="0" err="1"/>
+              <a:t>ics</a:t>
+            </a:r>
+            <a:r>
+              <a:rPr lang="en-US" dirty="0"/>
+              <a:t> file has been created, </a:t>
+            </a:r>
+            <a:r>
+              <a:rPr lang="en-US" dirty="0" smtClean="0"/>
+              <a:t>we will pass it to a program that verifies </a:t>
+            </a:r>
+            <a:r>
+              <a:rPr lang="en-US" dirty="0" err="1" smtClean="0"/>
+              <a:t>iCS</a:t>
+            </a:r>
+            <a:r>
+              <a:rPr lang="en-US" dirty="0" smtClean="0"/>
+              <a:t> files are in the proper format to ensure it was exported correctly.</a:t>
+            </a:r>
+            <a:endParaRPr lang="en-US" dirty="0"/>
+          </a:p>
+        </p:txBody>
+      </p:sp>
+      <p:sp>
+        <p:nvSpPr>
+          <p:cNvPr id="4" name="Slide Number Placeholder 3"/>
+          <p:cNvSpPr>
+            <a:spLocks noGrp="1"/>
+          </p:cNvSpPr>
+          <p:nvPr>
+            <p:ph type="sldNum" sz="quarter" idx="12"/>
+          </p:nvPr>
+        </p:nvSpPr>
+        <p:spPr/>
+        <p:txBody>
+          <a:bodyPr/>
+          <a:lstStyle/>
+          <a:p>
+            <a:fld id="{74AB3515-C793-E547-AD4E-3226D67B40C1}" type="slidenum">
+              <a:rPr lang="en-US" smtClean="0"/>
+              <a:t>27</a:t>
+            </a:fld>
+            <a:endParaRPr lang="en-US"/>
+          </a:p>
+        </p:txBody>
+      </p:sp>
+    </p:spTree>
+    <p:extLst>
+      <p:ext uri="{BB962C8B-B14F-4D97-AF65-F5344CB8AC3E}">
+        <p14:creationId xmlns:p14="http://schemas.microsoft.com/office/powerpoint/2010/main" val="287438903"/>
+      </p:ext>
+    </p:extLst>
+  </p:cSld>
+  <p:clrMapOvr>
+    <a:masterClrMapping/>
+  </p:clrMapOvr>
+</p:sld>
+</file>
+
+<file path=ppt/slides/slide28.xml><?xml version="1.0" encoding="utf-8"?>
+<p:sld xmlns:a="http://schemas.openxmlformats.org/drawingml/2006/main" xmlns:r="http://schemas.openxmlformats.org/officeDocument/2006/relationships" xmlns:p="http://schemas.openxmlformats.org/presentationml/2006/main">
+  <p:cSld>
+    <p:spTree>
+      <p:nvGrpSpPr>
+        <p:cNvPr id="1" name=""/>
+        <p:cNvGrpSpPr/>
+        <p:nvPr/>
+      </p:nvGrpSpPr>
+      <p:grpSpPr>
+        <a:xfrm>
+          <a:off x="0" y="0"/>
+          <a:ext cx="0" cy="0"/>
+          <a:chOff x="0" y="0"/>
+          <a:chExt cx="0" cy="0"/>
+        </a:xfrm>
+      </p:grpSpPr>
+      <p:sp>
+        <p:nvSpPr>
+          <p:cNvPr id="2" name="Title 1"/>
+          <p:cNvSpPr>
+            <a:spLocks noGrp="1"/>
+          </p:cNvSpPr>
+          <p:nvPr>
+            <p:ph type="title"/>
+          </p:nvPr>
+        </p:nvSpPr>
+        <p:spPr/>
+        <p:txBody>
+          <a:bodyPr/>
+          <a:lstStyle/>
+          <a:p>
+            <a:r>
+              <a:rPr lang="en-US" dirty="0"/>
+              <a:t>More Acceptance test plans</a:t>
+            </a:r>
+          </a:p>
+        </p:txBody>
+      </p:sp>
+      <p:sp>
+        <p:nvSpPr>
+          <p:cNvPr id="3" name="Content Placeholder 2"/>
+          <p:cNvSpPr>
+            <a:spLocks noGrp="1"/>
+          </p:cNvSpPr>
+          <p:nvPr>
+            <p:ph idx="1"/>
+          </p:nvPr>
+        </p:nvSpPr>
+        <p:spPr/>
+        <p:txBody>
+          <a:bodyPr/>
+          <a:lstStyle/>
+          <a:p>
+            <a:r>
+              <a:rPr lang="en-US" dirty="0"/>
+              <a:t>ICS File </a:t>
+            </a:r>
+            <a:r>
+              <a:rPr lang="en-US" dirty="0" smtClean="0"/>
+              <a:t>Import</a:t>
+            </a:r>
+          </a:p>
+          <a:p>
+            <a:pPr lvl="1"/>
+            <a:r>
+              <a:rPr lang="en-US" dirty="0"/>
+              <a:t>To test the application’s functionality to import </a:t>
+            </a:r>
+            <a:r>
+              <a:rPr lang="en-US" dirty="0" smtClean="0"/>
+              <a:t>events from ICS files, </a:t>
+            </a:r>
+            <a:r>
+              <a:rPr lang="en-US" dirty="0"/>
+              <a:t>we will use a black box test. We will start by </a:t>
+            </a:r>
+            <a:r>
+              <a:rPr lang="en-US" dirty="0" smtClean="0"/>
+              <a:t>generating a .</a:t>
+            </a:r>
+            <a:r>
+              <a:rPr lang="en-US" dirty="0" err="1" smtClean="0"/>
+              <a:t>ics</a:t>
+            </a:r>
+            <a:r>
+              <a:rPr lang="en-US" dirty="0" smtClean="0"/>
+              <a:t> file in the standard format. </a:t>
+            </a:r>
+            <a:r>
+              <a:rPr lang="en-US" dirty="0"/>
+              <a:t>From there, we will use our application to import the .</a:t>
+            </a:r>
+            <a:r>
+              <a:rPr lang="en-US" dirty="0" err="1"/>
+              <a:t>ics</a:t>
+            </a:r>
+            <a:r>
+              <a:rPr lang="en-US" dirty="0"/>
+              <a:t> file. The events in the application will then be compared to the original to ensure that all of the data is intact.  </a:t>
+            </a:r>
+          </a:p>
+          <a:p>
+            <a:pPr lvl="1"/>
+            <a:endParaRPr lang="en-US" dirty="0"/>
+          </a:p>
+          <a:p>
+            <a:endParaRPr lang="en-US" dirty="0"/>
+          </a:p>
+        </p:txBody>
+      </p:sp>
+      <p:sp>
+        <p:nvSpPr>
+          <p:cNvPr id="4" name="Slide Number Placeholder 3"/>
+          <p:cNvSpPr>
+            <a:spLocks noGrp="1"/>
+          </p:cNvSpPr>
+          <p:nvPr>
+            <p:ph type="sldNum" sz="quarter" idx="12"/>
+          </p:nvPr>
+        </p:nvSpPr>
+        <p:spPr/>
+        <p:txBody>
+          <a:bodyPr/>
+          <a:lstStyle/>
+          <a:p>
+            <a:fld id="{74AB3515-C793-E547-AD4E-3226D67B40C1}" type="slidenum">
+              <a:rPr lang="en-US" smtClean="0"/>
+              <a:t>28</a:t>
+            </a:fld>
+            <a:endParaRPr lang="en-US"/>
+          </a:p>
+        </p:txBody>
+      </p:sp>
+    </p:spTree>
+    <p:extLst>
+      <p:ext uri="{BB962C8B-B14F-4D97-AF65-F5344CB8AC3E}">
+        <p14:creationId xmlns:p14="http://schemas.microsoft.com/office/powerpoint/2010/main" val="503777152"/>
+      </p:ext>
+    </p:extLst>
+  </p:cSld>
+  <p:clrMapOvr>
+    <a:masterClrMapping/>
+  </p:clrMapOvr>
+</p:sld>
+</file>
+
+<file path=ppt/slides/slide29.xml><?xml version="1.0" encoding="utf-8"?>
+<p:sld xmlns:a="http://schemas.openxmlformats.org/drawingml/2006/main" xmlns:r="http://schemas.openxmlformats.org/officeDocument/2006/relationships" xmlns:p="http://schemas.openxmlformats.org/presentationml/2006/main">
+  <p:cSld>
+    <p:spTree>
+      <p:nvGrpSpPr>
+        <p:cNvPr id="1" name=""/>
+        <p:cNvGrpSpPr/>
+        <p:nvPr/>
+      </p:nvGrpSpPr>
+      <p:grpSpPr>
+        <a:xfrm>
+          <a:off x="0" y="0"/>
+          <a:ext cx="0" cy="0"/>
+          <a:chOff x="0" y="0"/>
+          <a:chExt cx="0" cy="0"/>
+        </a:xfrm>
+      </p:grpSpPr>
+      <p:sp>
+        <p:nvSpPr>
+          <p:cNvPr id="2" name="Title 1"/>
+          <p:cNvSpPr>
+            <a:spLocks noGrp="1"/>
+          </p:cNvSpPr>
+          <p:nvPr>
+            <p:ph type="title"/>
+          </p:nvPr>
+        </p:nvSpPr>
         <p:spPr>
           <a:xfrm>
-            <a:off x="455612" y="5573182"/>
+            <a:off x="541337" y="5579533"/>
             <a:ext cx="8534400" cy="1507067"/>
           </a:xfrm>
         </p:spPr>
@@ -8832,10 +9065,10 @@
           <a:lstStyle/>
           <a:p>
             <a:r>
-              <a:rPr lang="en-US" dirty="0" smtClean="0"/>
-              <a:t>Remove Event Junit test</a:t>
-            </a:r>
-            <a:endParaRPr lang="en-US" dirty="0"/>
+              <a:rPr lang="en-US" smtClean="0"/>
+              <a:t>Add Event Junit test</a:t>
+            </a:r>
+            <a:endParaRPr lang="en-US"/>
           </a:p>
         </p:txBody>
       </p:sp>
@@ -8863,8 +9096,8 @@
         </p:blipFill>
         <p:spPr>
           <a:xfrm>
-            <a:off x="284161" y="0"/>
-            <a:ext cx="11550769" cy="5886450"/>
+            <a:off x="1565489" y="-1"/>
+            <a:ext cx="8850099" cy="5987313"/>
           </a:xfrm>
         </p:spPr>
       </p:pic>
@@ -8885,7 +9118,7 @@
           <a:p>
             <a:fld id="{74AB3515-C793-E547-AD4E-3226D67B40C1}" type="slidenum">
               <a:rPr lang="en-US" smtClean="0"/>
-              <a:t>27</a:t>
+              <a:t>29</a:t>
             </a:fld>
             <a:endParaRPr lang="en-US"/>
           </a:p>
@@ -8894,7 +9127,7 @@
     </p:spTree>
     <p:extLst>
       <p:ext uri="{BB962C8B-B14F-4D97-AF65-F5344CB8AC3E}">
-        <p14:creationId xmlns:p14="http://schemas.microsoft.com/office/powerpoint/2010/main" val="1643747931"/>
+        <p14:creationId xmlns:p14="http://schemas.microsoft.com/office/powerpoint/2010/main" val="789978463"/>
       </p:ext>
     </p:extLst>
   </p:cSld>
@@ -8933,7 +9166,7 @@
         </p:nvSpPr>
         <p:spPr>
           <a:xfrm>
-            <a:off x="541337" y="5132916"/>
+            <a:off x="1828800" y="2628052"/>
             <a:ext cx="8534400" cy="1507067"/>
           </a:xfrm>
         </p:spPr>
@@ -8941,92 +9174,11 @@
           <a:bodyPr/>
           <a:lstStyle/>
           <a:p>
-            <a:r>
-              <a:rPr lang="en-US" dirty="0" smtClean="0"/>
-              <a:t>Requirements Overview</a:t>
-            </a:r>
-            <a:endParaRPr lang="en-US" dirty="0"/>
-          </a:p>
-        </p:txBody>
-      </p:sp>
-      <p:sp>
-        <p:nvSpPr>
-          <p:cNvPr id="3" name="Content Placeholder 2"/>
-          <p:cNvSpPr>
-            <a:spLocks noGrp="1"/>
-          </p:cNvSpPr>
-          <p:nvPr>
-            <p:ph idx="1"/>
-          </p:nvPr>
-        </p:nvSpPr>
-        <p:spPr>
-          <a:xfrm>
-            <a:off x="684211" y="685800"/>
-            <a:ext cx="10160001" cy="5200650"/>
-          </a:xfrm>
-        </p:spPr>
-        <p:txBody>
-          <a:bodyPr>
-            <a:normAutofit/>
-          </a:bodyPr>
-          <a:lstStyle/>
-          <a:p>
-            <a:pPr lvl="0"/>
-            <a:r>
-              <a:rPr lang="en-US" dirty="0"/>
-              <a:t>The application shall display dates in a monthly format.</a:t>
-            </a:r>
-          </a:p>
-          <a:p>
-            <a:pPr lvl="0"/>
-            <a:r>
-              <a:rPr lang="en-US" dirty="0"/>
-              <a:t>The application shall display event information for an event upon user request.</a:t>
-            </a:r>
-          </a:p>
-          <a:p>
-            <a:pPr lvl="0"/>
-            <a:r>
-              <a:rPr lang="en-US" dirty="0"/>
-              <a:t>Event information shall consist of an event title, start time (time and date), end time (time and date), and any additional notes about the event</a:t>
-            </a:r>
-          </a:p>
-          <a:p>
-            <a:pPr lvl="0"/>
-            <a:r>
-              <a:rPr lang="en-US" dirty="0"/>
-              <a:t>The application shall add, remove, or edit an event upon user request.</a:t>
-            </a:r>
-          </a:p>
-          <a:p>
-            <a:pPr lvl="0"/>
-            <a:r>
-              <a:rPr lang="en-US" sz="2400" dirty="0"/>
-              <a:t>The application shall send reminders to users concerning upcoming events using the following mediums:</a:t>
-            </a:r>
-          </a:p>
-          <a:p>
-            <a:pPr lvl="1"/>
-            <a:r>
-              <a:rPr lang="en-US" dirty="0"/>
-              <a:t>email</a:t>
-            </a:r>
-          </a:p>
-          <a:p>
-            <a:pPr lvl="1"/>
-            <a:r>
-              <a:rPr lang="en-US" dirty="0"/>
-              <a:t>SMS text message</a:t>
-            </a:r>
-          </a:p>
-          <a:p>
-            <a:pPr lvl="1"/>
-            <a:r>
-              <a:rPr lang="en-US" dirty="0"/>
-              <a:t>OS notification</a:t>
-            </a:r>
-          </a:p>
-          <a:p>
+            <a:pPr algn="ctr"/>
+            <a:r>
+              <a:rPr lang="en-US" dirty="0" smtClean="0"/>
+              <a:t>Prototype</a:t>
+            </a:r>
             <a:endParaRPr lang="en-US" dirty="0"/>
           </a:p>
         </p:txBody>
@@ -9057,7 +9209,117 @@
     </p:spTree>
     <p:extLst>
       <p:ext uri="{BB962C8B-B14F-4D97-AF65-F5344CB8AC3E}">
-        <p14:creationId xmlns:p14="http://schemas.microsoft.com/office/powerpoint/2010/main" val="198867942"/>
+        <p14:creationId xmlns:p14="http://schemas.microsoft.com/office/powerpoint/2010/main" val="1618972496"/>
+      </p:ext>
+    </p:extLst>
+  </p:cSld>
+  <p:clrMapOvr>
+    <a:masterClrMapping/>
+  </p:clrMapOvr>
+</p:sld>
+</file>
+
+<file path=ppt/slides/slide30.xml><?xml version="1.0" encoding="utf-8"?>
+<p:sld xmlns:a="http://schemas.openxmlformats.org/drawingml/2006/main" xmlns:r="http://schemas.openxmlformats.org/officeDocument/2006/relationships" xmlns:p="http://schemas.openxmlformats.org/presentationml/2006/main">
+  <p:cSld>
+    <p:spTree>
+      <p:nvGrpSpPr>
+        <p:cNvPr id="1" name=""/>
+        <p:cNvGrpSpPr/>
+        <p:nvPr/>
+      </p:nvGrpSpPr>
+      <p:grpSpPr>
+        <a:xfrm>
+          <a:off x="0" y="0"/>
+          <a:ext cx="0" cy="0"/>
+          <a:chOff x="0" y="0"/>
+          <a:chExt cx="0" cy="0"/>
+        </a:xfrm>
+      </p:grpSpPr>
+      <p:sp>
+        <p:nvSpPr>
+          <p:cNvPr id="2" name="Title 1"/>
+          <p:cNvSpPr>
+            <a:spLocks noGrp="1"/>
+          </p:cNvSpPr>
+          <p:nvPr>
+            <p:ph type="title"/>
+          </p:nvPr>
+        </p:nvSpPr>
+        <p:spPr>
+          <a:xfrm>
+            <a:off x="455612" y="5573182"/>
+            <a:ext cx="8534400" cy="1507067"/>
+          </a:xfrm>
+        </p:spPr>
+        <p:txBody>
+          <a:bodyPr/>
+          <a:lstStyle/>
+          <a:p>
+            <a:r>
+              <a:rPr lang="en-US" dirty="0" smtClean="0"/>
+              <a:t>Remove Event Junit test</a:t>
+            </a:r>
+            <a:endParaRPr lang="en-US" dirty="0"/>
+          </a:p>
+        </p:txBody>
+      </p:sp>
+      <p:pic>
+        <p:nvPicPr>
+          <p:cNvPr id="4" name="Content Placeholder 3"/>
+          <p:cNvPicPr>
+            <a:picLocks noGrp="1" noChangeAspect="1"/>
+          </p:cNvPicPr>
+          <p:nvPr>
+            <p:ph idx="1"/>
+          </p:nvPr>
+        </p:nvPicPr>
+        <p:blipFill>
+          <a:blip r:embed="rId2">
+            <a:extLst>
+              <a:ext uri="{28A0092B-C50C-407E-A947-70E740481C1C}">
+                <a14:useLocalDpi xmlns:a14="http://schemas.microsoft.com/office/drawing/2010/main" val="0"/>
+              </a:ext>
+            </a:extLst>
+          </a:blip>
+          <a:stretch>
+            <a:fillRect/>
+          </a:stretch>
+        </p:blipFill>
+        <p:spPr>
+          <a:xfrm>
+            <a:off x="284161" y="0"/>
+            <a:ext cx="11550769" cy="5886450"/>
+          </a:xfrm>
+        </p:spPr>
+      </p:pic>
+      <p:sp>
+        <p:nvSpPr>
+          <p:cNvPr id="5" name="Slide Number Placeholder 4"/>
+          <p:cNvSpPr>
+            <a:spLocks noGrp="1"/>
+          </p:cNvSpPr>
+          <p:nvPr>
+            <p:ph type="sldNum" sz="quarter" idx="12"/>
+          </p:nvPr>
+        </p:nvSpPr>
+        <p:spPr/>
+        <p:txBody>
+          <a:bodyPr/>
+          <a:lstStyle/>
+          <a:p>
+            <a:fld id="{74AB3515-C793-E547-AD4E-3226D67B40C1}" type="slidenum">
+              <a:rPr lang="en-US" smtClean="0"/>
+              <a:t>30</a:t>
+            </a:fld>
+            <a:endParaRPr lang="en-US"/>
+          </a:p>
+        </p:txBody>
+      </p:sp>
+    </p:spTree>
+    <p:extLst>
+      <p:ext uri="{BB962C8B-B14F-4D97-AF65-F5344CB8AC3E}">
+        <p14:creationId xmlns:p14="http://schemas.microsoft.com/office/powerpoint/2010/main" val="1643747931"/>
       </p:ext>
     </p:extLst>
   </p:cSld>
@@ -9086,60 +9348,6 @@
       </p:grpSpPr>
       <p:sp>
         <p:nvSpPr>
-          <p:cNvPr id="2" name="Title 1"/>
-          <p:cNvSpPr>
-            <a:spLocks noGrp="1"/>
-          </p:cNvSpPr>
-          <p:nvPr>
-            <p:ph type="title"/>
-          </p:nvPr>
-        </p:nvSpPr>
-        <p:spPr/>
-        <p:txBody>
-          <a:bodyPr/>
-          <a:lstStyle/>
-          <a:p>
-            <a:r>
-              <a:rPr lang="en-US" dirty="0" smtClean="0"/>
-              <a:t>Acceptance Test Plan</a:t>
-            </a:r>
-            <a:endParaRPr lang="en-US" dirty="0"/>
-          </a:p>
-        </p:txBody>
-      </p:sp>
-      <p:sp>
-        <p:nvSpPr>
-          <p:cNvPr id="3" name="Content Placeholder 2"/>
-          <p:cNvSpPr>
-            <a:spLocks noGrp="1"/>
-          </p:cNvSpPr>
-          <p:nvPr>
-            <p:ph idx="1"/>
-          </p:nvPr>
-        </p:nvSpPr>
-        <p:spPr/>
-        <p:txBody>
-          <a:bodyPr>
-            <a:normAutofit/>
-          </a:bodyPr>
-          <a:lstStyle/>
-          <a:p>
-            <a:r>
-              <a:rPr lang="en-US" dirty="0" smtClean="0"/>
-              <a:t>Calendar View</a:t>
-            </a:r>
-          </a:p>
-          <a:p>
-            <a:pPr lvl="1"/>
-            <a:r>
-              <a:rPr lang="en-US" dirty="0" smtClean="0"/>
-              <a:t>This test will be performed by starting the calendar application and visually inspecting it to ensure the calendar is displayed correctly according to the requirements.</a:t>
-            </a:r>
-          </a:p>
-        </p:txBody>
-      </p:sp>
-      <p:sp>
-        <p:nvSpPr>
           <p:cNvPr id="4" name="Slide Number Placeholder 3"/>
           <p:cNvSpPr>
             <a:spLocks noGrp="1"/>
@@ -9161,10 +9369,40 @@
           </a:p>
         </p:txBody>
       </p:sp>
+      <p:pic>
+        <p:nvPicPr>
+          <p:cNvPr id="5" name="Content Placeholder 4"/>
+          <p:cNvPicPr>
+            <a:picLocks noChangeAspect="1"/>
+          </p:cNvPicPr>
+          <p:nvPr/>
+        </p:nvPicPr>
+        <p:blipFill>
+          <a:blip r:embed="rId2">
+            <a:extLst>
+              <a:ext uri="{28A0092B-C50C-407E-A947-70E740481C1C}">
+                <a14:useLocalDpi xmlns:a14="http://schemas.microsoft.com/office/drawing/2010/main" val="0"/>
+              </a:ext>
+            </a:extLst>
+          </a:blip>
+          <a:stretch>
+            <a:fillRect/>
+          </a:stretch>
+        </p:blipFill>
+        <p:spPr>
+          <a:xfrm>
+            <a:off x="810492" y="0"/>
+            <a:ext cx="10720306" cy="6858000"/>
+          </a:xfrm>
+          <a:prstGeom prst="rect">
+            <a:avLst/>
+          </a:prstGeom>
+        </p:spPr>
+      </p:pic>
     </p:spTree>
     <p:extLst>
       <p:ext uri="{BB962C8B-B14F-4D97-AF65-F5344CB8AC3E}">
-        <p14:creationId xmlns:p14="http://schemas.microsoft.com/office/powerpoint/2010/main" val="835743041"/>
+        <p14:creationId xmlns:p14="http://schemas.microsoft.com/office/powerpoint/2010/main" val="155976320"/>
       </p:ext>
     </p:extLst>
   </p:cSld>
@@ -9193,155 +9431,6 @@
       </p:grpSpPr>
       <p:sp>
         <p:nvSpPr>
-          <p:cNvPr id="2" name="Title 1"/>
-          <p:cNvSpPr>
-            <a:spLocks noGrp="1"/>
-          </p:cNvSpPr>
-          <p:nvPr>
-            <p:ph type="title"/>
-          </p:nvPr>
-        </p:nvSpPr>
-        <p:spPr/>
-        <p:txBody>
-          <a:bodyPr/>
-          <a:lstStyle/>
-          <a:p>
-            <a:r>
-              <a:rPr lang="en-US" dirty="0"/>
-              <a:t>Acceptance Test </a:t>
-            </a:r>
-            <a:r>
-              <a:rPr lang="en-US" dirty="0" smtClean="0"/>
-              <a:t>Plan cont.</a:t>
-            </a:r>
-            <a:endParaRPr lang="en-US" dirty="0"/>
-          </a:p>
-        </p:txBody>
-      </p:sp>
-      <p:sp>
-        <p:nvSpPr>
-          <p:cNvPr id="3" name="Content Placeholder 2"/>
-          <p:cNvSpPr>
-            <a:spLocks noGrp="1"/>
-          </p:cNvSpPr>
-          <p:nvPr>
-            <p:ph idx="1"/>
-          </p:nvPr>
-        </p:nvSpPr>
-        <p:spPr>
-          <a:xfrm>
-            <a:off x="684211" y="685800"/>
-            <a:ext cx="9417051" cy="4686300"/>
-          </a:xfrm>
-        </p:spPr>
-        <p:txBody>
-          <a:bodyPr>
-            <a:normAutofit/>
-          </a:bodyPr>
-          <a:lstStyle/>
-          <a:p>
-            <a:r>
-              <a:rPr lang="en-US" dirty="0"/>
-              <a:t>Events View</a:t>
-            </a:r>
-          </a:p>
-          <a:p>
-            <a:pPr lvl="1"/>
-            <a:r>
-              <a:rPr lang="en-US" dirty="0"/>
-              <a:t>View Events - This test will be performed by writing a test script that simulates user selection of a date, and compares the event info that is retrieved from the database to the expected event info</a:t>
-            </a:r>
-          </a:p>
-          <a:p>
-            <a:pPr lvl="1"/>
-            <a:r>
-              <a:rPr lang="en-US" dirty="0"/>
-              <a:t>Add Event - This test will be performed by writing a test script that simulates user selection of a date, and user input into the date form, and the user clicking the ‘save </a:t>
-            </a:r>
-            <a:r>
-              <a:rPr lang="en-US" dirty="0" smtClean="0"/>
-              <a:t>event` button , </a:t>
-            </a:r>
-            <a:r>
-              <a:rPr lang="en-US" dirty="0"/>
-              <a:t>and then verify that the event is in the database and is </a:t>
-            </a:r>
-            <a:r>
-              <a:rPr lang="en-US" dirty="0" smtClean="0"/>
-              <a:t>displayed </a:t>
-            </a:r>
-            <a:r>
-              <a:rPr lang="en-US" dirty="0"/>
-              <a:t>in the windows where it should be </a:t>
-            </a:r>
-            <a:r>
-              <a:rPr lang="en-US" dirty="0" smtClean="0"/>
-              <a:t>displayed</a:t>
-            </a:r>
-          </a:p>
-          <a:p>
-            <a:pPr lvl="1"/>
-            <a:r>
-              <a:rPr lang="en-US" dirty="0" smtClean="0"/>
-              <a:t>Delete Event - </a:t>
-            </a:r>
-            <a:r>
-              <a:rPr lang="en-US" dirty="0"/>
-              <a:t>- This test will be performed by writing a test script that simulates user selection of a date, </a:t>
-            </a:r>
-            <a:r>
-              <a:rPr lang="en-US" dirty="0" smtClean="0"/>
-              <a:t>and </a:t>
-            </a:r>
-            <a:r>
-              <a:rPr lang="en-US" dirty="0"/>
-              <a:t>the </a:t>
-            </a:r>
-            <a:r>
-              <a:rPr lang="en-US" dirty="0" smtClean="0"/>
-              <a:t>user selecting an event and </a:t>
-            </a:r>
-            <a:r>
-              <a:rPr lang="en-US" dirty="0"/>
-              <a:t>clicking the </a:t>
-            </a:r>
-            <a:r>
-              <a:rPr lang="en-US" dirty="0" smtClean="0"/>
-              <a:t>‘delete </a:t>
-            </a:r>
-            <a:r>
-              <a:rPr lang="en-US" dirty="0"/>
-              <a:t>event</a:t>
-            </a:r>
-            <a:r>
-              <a:rPr lang="en-US" dirty="0" smtClean="0"/>
-              <a:t>` button, </a:t>
-            </a:r>
-            <a:r>
-              <a:rPr lang="en-US" dirty="0"/>
-              <a:t>and then verify that the event </a:t>
-            </a:r>
-            <a:r>
-              <a:rPr lang="en-US" dirty="0" smtClean="0"/>
-              <a:t>is no longer </a:t>
-            </a:r>
-            <a:r>
-              <a:rPr lang="en-US" dirty="0"/>
-              <a:t>in the database and </a:t>
-            </a:r>
-            <a:r>
-              <a:rPr lang="en-US" dirty="0" smtClean="0"/>
-              <a:t>that is is no longer displayed in any windows</a:t>
-            </a:r>
-            <a:endParaRPr lang="en-US" dirty="0"/>
-          </a:p>
-          <a:p>
-            <a:endParaRPr lang="en-US" dirty="0"/>
-          </a:p>
-        </p:txBody>
-      </p:sp>
-      <p:sp>
-        <p:nvSpPr>
           <p:cNvPr id="4" name="Slide Number Placeholder 3"/>
           <p:cNvSpPr>
             <a:spLocks noGrp="1"/>
@@ -9363,10 +9452,40 @@
           </a:p>
         </p:txBody>
       </p:sp>
+      <p:pic>
+        <p:nvPicPr>
+          <p:cNvPr id="5" name="Content Placeholder 4"/>
+          <p:cNvPicPr>
+            <a:picLocks noChangeAspect="1"/>
+          </p:cNvPicPr>
+          <p:nvPr/>
+        </p:nvPicPr>
+        <p:blipFill>
+          <a:blip r:embed="rId2">
+            <a:extLst>
+              <a:ext uri="{28A0092B-C50C-407E-A947-70E740481C1C}">
+                <a14:useLocalDpi xmlns:a14="http://schemas.microsoft.com/office/drawing/2010/main" val="0"/>
+              </a:ext>
+            </a:extLst>
+          </a:blip>
+          <a:stretch>
+            <a:fillRect/>
+          </a:stretch>
+        </p:blipFill>
+        <p:spPr>
+          <a:xfrm>
+            <a:off x="1482437" y="-7281"/>
+            <a:ext cx="9516335" cy="6865281"/>
+          </a:xfrm>
+          <a:prstGeom prst="rect">
+            <a:avLst/>
+          </a:prstGeom>
+        </p:spPr>
+      </p:pic>
     </p:spTree>
     <p:extLst>
       <p:ext uri="{BB962C8B-B14F-4D97-AF65-F5344CB8AC3E}">
-        <p14:creationId xmlns:p14="http://schemas.microsoft.com/office/powerpoint/2010/main" val="1182974190"/>
+        <p14:creationId xmlns:p14="http://schemas.microsoft.com/office/powerpoint/2010/main" val="1134720921"/>
       </p:ext>
     </p:extLst>
   </p:cSld>
@@ -9403,39 +9522,103 @@
             <p:ph type="title"/>
           </p:nvPr>
         </p:nvSpPr>
-        <p:spPr/>
-        <p:txBody>
-          <a:bodyPr/>
-          <a:lstStyle/>
-          <a:p>
+        <p:spPr>
+          <a:xfrm>
+            <a:off x="541337" y="5132916"/>
+            <a:ext cx="8534400" cy="1507067"/>
+          </a:xfrm>
+        </p:spPr>
+        <p:txBody>
+          <a:bodyPr/>
+          <a:lstStyle/>
+          <a:p>
+            <a:r>
+              <a:rPr lang="en-US" dirty="0" smtClean="0"/>
+              <a:t>Requirements Overview</a:t>
+            </a:r>
+            <a:endParaRPr lang="en-US" dirty="0"/>
+          </a:p>
+        </p:txBody>
+      </p:sp>
+      <p:sp>
+        <p:nvSpPr>
+          <p:cNvPr id="3" name="Content Placeholder 2"/>
+          <p:cNvSpPr>
+            <a:spLocks noGrp="1"/>
+          </p:cNvSpPr>
+          <p:nvPr>
+            <p:ph idx="1"/>
+          </p:nvPr>
+        </p:nvSpPr>
+        <p:spPr>
+          <a:xfrm>
+            <a:off x="684211" y="685800"/>
+            <a:ext cx="10160001" cy="5200650"/>
+          </a:xfrm>
+        </p:spPr>
+        <p:txBody>
+          <a:bodyPr>
+            <a:normAutofit/>
+          </a:bodyPr>
+          <a:lstStyle/>
+          <a:p>
+            <a:pPr lvl="0"/>
             <a:r>
               <a:rPr lang="en-US" dirty="0"/>
-              <a:t>System test </a:t>
-            </a:r>
-            <a:r>
-              <a:rPr lang="en-US" dirty="0" smtClean="0"/>
-              <a:t>plans</a:t>
-            </a:r>
+              <a:t>The application shall display dates in a monthly format.</a:t>
+            </a:r>
+          </a:p>
+          <a:p>
+            <a:pPr lvl="0"/>
+            <a:r>
+              <a:rPr lang="en-US" dirty="0"/>
+              <a:t>The application shall display event information for an event upon user request.</a:t>
+            </a:r>
+          </a:p>
+          <a:p>
+            <a:pPr lvl="0"/>
+            <a:r>
+              <a:rPr lang="en-US" dirty="0"/>
+              <a:t>Event information shall consist of an event title, start time (time and date), end time (time and date), and any additional notes about the event</a:t>
+            </a:r>
+          </a:p>
+          <a:p>
+            <a:pPr lvl="0"/>
+            <a:r>
+              <a:rPr lang="en-US" dirty="0"/>
+              <a:t>The application shall add, remove, or edit an event upon user request.</a:t>
+            </a:r>
+          </a:p>
+          <a:p>
+            <a:pPr lvl="0"/>
+            <a:r>
+              <a:rPr lang="en-US" sz="2400" dirty="0"/>
+              <a:t>The application shall send reminders to users concerning upcoming events using the following mediums:</a:t>
+            </a:r>
+          </a:p>
+          <a:p>
+            <a:pPr lvl="1"/>
+            <a:r>
+              <a:rPr lang="en-US" dirty="0"/>
+              <a:t>email</a:t>
+            </a:r>
+          </a:p>
+          <a:p>
+            <a:pPr lvl="1"/>
+            <a:r>
+              <a:rPr lang="en-US" dirty="0"/>
+              <a:t>SMS text message</a:t>
+            </a:r>
+          </a:p>
+          <a:p>
+            <a:pPr lvl="1"/>
+            <a:r>
+              <a:rPr lang="en-US" dirty="0"/>
+              <a:t>OS notification</a:t>
+            </a:r>
+          </a:p>
+          <a:p>
             <a:endParaRPr lang="en-US" dirty="0"/>
-          </a:p>
-        </p:txBody>
-      </p:sp>
-      <p:sp>
-        <p:nvSpPr>
-          <p:cNvPr id="3" name="Content Placeholder 2"/>
-          <p:cNvSpPr>
-            <a:spLocks noGrp="1"/>
-          </p:cNvSpPr>
-          <p:nvPr>
-            <p:ph idx="1"/>
-          </p:nvPr>
-        </p:nvSpPr>
-        <p:spPr/>
-        <p:txBody>
-          <a:bodyPr/>
-          <a:lstStyle/>
-          <a:p>
-            <a:endParaRPr lang="en-US"/>
           </a:p>
         </p:txBody>
       </p:sp>
@@ -9465,7 +9648,7 @@
     </p:spTree>
     <p:extLst>
       <p:ext uri="{BB962C8B-B14F-4D97-AF65-F5344CB8AC3E}">
-        <p14:creationId xmlns:p14="http://schemas.microsoft.com/office/powerpoint/2010/main" val="1780362855"/>
+        <p14:creationId xmlns:p14="http://schemas.microsoft.com/office/powerpoint/2010/main" val="198867942"/>
       </p:ext>
     </p:extLst>
   </p:cSld>
@@ -9508,9 +9691,10 @@
           <a:lstStyle/>
           <a:p>
             <a:r>
-              <a:rPr lang="en-US" dirty="0"/>
-              <a:t>Integration and test plans</a:t>
-            </a:r>
+              <a:rPr lang="en-US" dirty="0" smtClean="0"/>
+              <a:t>Acceptance Test Plan</a:t>
+            </a:r>
+            <a:endParaRPr lang="en-US" dirty="0"/>
           </a:p>
         </p:txBody>
       </p:sp>
@@ -9526,10 +9710,22 @@
         </p:nvSpPr>
         <p:spPr/>
         <p:txBody>
-          <a:bodyPr/>
-          <a:lstStyle/>
-          <a:p>
-            <a:endParaRPr lang="en-US"/>
+          <a:bodyPr>
+            <a:normAutofit/>
+          </a:bodyPr>
+          <a:lstStyle/>
+          <a:p>
+            <a:r>
+              <a:rPr lang="en-US" dirty="0" smtClean="0"/>
+              <a:t>Calendar View</a:t>
+            </a:r>
+          </a:p>
+          <a:p>
+            <a:pPr lvl="1"/>
+            <a:r>
+              <a:rPr lang="en-US" dirty="0" smtClean="0"/>
+              <a:t>This test will be performed by starting the calendar application and visually inspecting it to ensure the calendar is displayed correctly according to the requirements.</a:t>
+            </a:r>
           </a:p>
         </p:txBody>
       </p:sp>
@@ -9559,7 +9755,7 @@
     </p:spTree>
     <p:extLst>
       <p:ext uri="{BB962C8B-B14F-4D97-AF65-F5344CB8AC3E}">
-        <p14:creationId xmlns:p14="http://schemas.microsoft.com/office/powerpoint/2010/main" val="506810031"/>
+        <p14:creationId xmlns:p14="http://schemas.microsoft.com/office/powerpoint/2010/main" val="835743041"/>
       </p:ext>
     </p:extLst>
   </p:cSld>
@@ -9603,8 +9799,13 @@
           <a:p>
             <a:r>
               <a:rPr lang="en-US" dirty="0"/>
-              <a:t>Stress, performance, soak, and negative test summary</a:t>
-            </a:r>
+              <a:t>Acceptance Test </a:t>
+            </a:r>
+            <a:r>
+              <a:rPr lang="en-US" dirty="0" smtClean="0"/>
+              <a:t>Plan cont.</a:t>
+            </a:r>
+            <a:endParaRPr lang="en-US" dirty="0"/>
           </a:p>
         </p:txBody>
       </p:sp>
@@ -9618,12 +9819,115 @@
             <p:ph idx="1"/>
           </p:nvPr>
         </p:nvSpPr>
-        <p:spPr/>
-        <p:txBody>
-          <a:bodyPr/>
-          <a:lstStyle/>
-          <a:p>
-            <a:endParaRPr lang="en-US"/>
+        <p:spPr>
+          <a:xfrm>
+            <a:off x="684211" y="685800"/>
+            <a:ext cx="9417051" cy="4686300"/>
+          </a:xfrm>
+        </p:spPr>
+        <p:txBody>
+          <a:bodyPr>
+            <a:normAutofit/>
+          </a:bodyPr>
+          <a:lstStyle/>
+          <a:p>
+            <a:r>
+              <a:rPr lang="en-US" dirty="0"/>
+              <a:t>Events View</a:t>
+            </a:r>
+          </a:p>
+          <a:p>
+            <a:pPr lvl="1"/>
+            <a:r>
+              <a:rPr lang="en-US" dirty="0"/>
+              <a:t>View Events - This test will be performed by writing a test script that simulates user selection of a date, and compares the event info that is retrieved from the database to the expected event info</a:t>
+            </a:r>
+          </a:p>
+          <a:p>
+            <a:pPr lvl="1"/>
+            <a:r>
+              <a:rPr lang="en-US" dirty="0"/>
+              <a:t>Add Event - This test will be performed by writing a test script that simulates user selection of a date, and user input into the date form, and the user clicking the ‘save </a:t>
+            </a:r>
+            <a:r>
+              <a:rPr lang="en-US" dirty="0" smtClean="0"/>
+              <a:t>event` button , </a:t>
+            </a:r>
+            <a:r>
+              <a:rPr lang="en-US" dirty="0"/>
+              <a:t>and then verify that the event is in the database and is </a:t>
+            </a:r>
+            <a:r>
+              <a:rPr lang="en-US" dirty="0" smtClean="0"/>
+              <a:t>displayed </a:t>
+            </a:r>
+            <a:r>
+              <a:rPr lang="en-US" dirty="0"/>
+              <a:t>in the windows where it should be </a:t>
+            </a:r>
+            <a:r>
+              <a:rPr lang="en-US" dirty="0" smtClean="0"/>
+              <a:t>displayed</a:t>
+            </a:r>
+          </a:p>
+          <a:p>
+            <a:pPr lvl="1"/>
+            <a:r>
+              <a:rPr lang="en-US" dirty="0" smtClean="0"/>
+              <a:t>Delete Event - </a:t>
+            </a:r>
+            <a:r>
+              <a:rPr lang="en-US" dirty="0"/>
+              <a:t>- This test will be performed by writing a test script that simulates user selection of a date, </a:t>
+            </a:r>
+            <a:r>
+              <a:rPr lang="en-US" dirty="0" smtClean="0"/>
+              <a:t>and </a:t>
+            </a:r>
+            <a:r>
+              <a:rPr lang="en-US" dirty="0"/>
+              <a:t>the </a:t>
+            </a:r>
+            <a:r>
+              <a:rPr lang="en-US" dirty="0" smtClean="0"/>
+              <a:t>user selecting an event and </a:t>
+            </a:r>
+            <a:r>
+              <a:rPr lang="en-US" dirty="0"/>
+              <a:t>clicking the </a:t>
+            </a:r>
+            <a:r>
+              <a:rPr lang="en-US" dirty="0" smtClean="0"/>
+              <a:t>‘delete </a:t>
+            </a:r>
+            <a:r>
+              <a:rPr lang="en-US" dirty="0"/>
+              <a:t>event</a:t>
+            </a:r>
+            <a:r>
+              <a:rPr lang="en-US" dirty="0" smtClean="0"/>
+              <a:t>` button, </a:t>
+            </a:r>
+            <a:r>
+              <a:rPr lang="en-US" dirty="0"/>
+              <a:t>and then verify that the event </a:t>
+            </a:r>
+            <a:r>
+              <a:rPr lang="en-US" dirty="0" smtClean="0"/>
+              <a:t>is no longer </a:t>
+            </a:r>
+            <a:r>
+              <a:rPr lang="en-US" dirty="0"/>
+              <a:t>in the database and </a:t>
+            </a:r>
+            <a:r>
+              <a:rPr lang="en-US" dirty="0" smtClean="0"/>
+              <a:t>that is is no longer displayed in any windows</a:t>
+            </a:r>
+            <a:endParaRPr lang="en-US" dirty="0"/>
+          </a:p>
+          <a:p>
+            <a:endParaRPr lang="en-US" dirty="0"/>
           </a:p>
         </p:txBody>
       </p:sp>
@@ -9653,7 +9957,7 @@
     </p:spTree>
     <p:extLst>
       <p:ext uri="{BB962C8B-B14F-4D97-AF65-F5344CB8AC3E}">
-        <p14:creationId xmlns:p14="http://schemas.microsoft.com/office/powerpoint/2010/main" val="1074261509"/>
+        <p14:creationId xmlns:p14="http://schemas.microsoft.com/office/powerpoint/2010/main" val="1182974190"/>
       </p:ext>
     </p:extLst>
   </p:cSld>
@@ -9690,27 +9994,26 @@
             <p:ph type="title"/>
           </p:nvPr>
         </p:nvSpPr>
-        <p:spPr>
-          <a:xfrm>
-            <a:off x="-1473200" y="5350933"/>
-            <a:ext cx="8534400" cy="1507067"/>
-          </a:xfrm>
-        </p:spPr>
-        <p:txBody>
-          <a:bodyPr/>
-          <a:lstStyle/>
-          <a:p>
-            <a:pPr algn="ctr"/>
-            <a:r>
-              <a:rPr lang="en-US"/>
-              <a:t>Unit test drivers</a:t>
-            </a:r>
-          </a:p>
-        </p:txBody>
-      </p:sp>
-      <p:sp>
-        <p:nvSpPr>
-          <p:cNvPr id="6" name="Content Placeholder 2"/>
+        <p:spPr/>
+        <p:txBody>
+          <a:bodyPr/>
+          <a:lstStyle/>
+          <a:p>
+            <a:r>
+              <a:rPr lang="en-US" dirty="0"/>
+              <a:t>System test </a:t>
+            </a:r>
+            <a:r>
+              <a:rPr lang="en-US" dirty="0" smtClean="0"/>
+              <a:t>plans</a:t>
+            </a:r>
+            <a:endParaRPr lang="en-US" dirty="0"/>
+          </a:p>
+        </p:txBody>
+      </p:sp>
+      <p:sp>
+        <p:nvSpPr>
+          <p:cNvPr id="3" name="Content Placeholder 2"/>
           <p:cNvSpPr>
             <a:spLocks noGrp="1"/>
           </p:cNvSpPr>
@@ -9718,70 +10021,18 @@
             <p:ph idx="1"/>
           </p:nvPr>
         </p:nvSpPr>
-        <p:spPr>
-          <a:xfrm>
-            <a:off x="638492" y="663879"/>
-            <a:ext cx="10669588" cy="5005401"/>
-          </a:xfrm>
-        </p:spPr>
-        <p:txBody>
-          <a:bodyPr/>
-          <a:lstStyle/>
-          <a:p>
-            <a:r>
-              <a:rPr lang="en-US" dirty="0" smtClean="0"/>
-              <a:t>19 Unit tests</a:t>
-            </a:r>
-          </a:p>
-          <a:p>
-            <a:r>
-              <a:rPr lang="en-US" dirty="0" smtClean="0"/>
-              <a:t>All passing</a:t>
-            </a:r>
-          </a:p>
-          <a:p>
-            <a:r>
-              <a:rPr lang="en-US" dirty="0" smtClean="0"/>
-              <a:t>Tests for</a:t>
-            </a:r>
-          </a:p>
-          <a:p>
-            <a:pPr lvl="1"/>
-            <a:r>
-              <a:rPr lang="en-US" dirty="0" smtClean="0"/>
-              <a:t>Add/Edit/Delete events</a:t>
-            </a:r>
-          </a:p>
-          <a:p>
-            <a:pPr lvl="1"/>
-            <a:r>
-              <a:rPr lang="en-US" dirty="0" smtClean="0"/>
-              <a:t>Time class</a:t>
-            </a:r>
-          </a:p>
-          <a:p>
-            <a:pPr lvl="1"/>
-            <a:r>
-              <a:rPr lang="en-US" dirty="0" smtClean="0"/>
-              <a:t>Retrieve Reminders</a:t>
-            </a:r>
-          </a:p>
-          <a:p>
-            <a:pPr lvl="1"/>
-            <a:r>
-              <a:rPr lang="en-US" dirty="0" smtClean="0"/>
-              <a:t>SQL Injection</a:t>
-            </a:r>
-          </a:p>
-          <a:p>
-            <a:pPr lvl="1"/>
-            <a:endParaRPr lang="en-US" dirty="0"/>
-          </a:p>
-        </p:txBody>
-      </p:sp>
-      <p:sp>
-        <p:nvSpPr>
-          <p:cNvPr id="7" name="Slide Number Placeholder 6"/>
+        <p:spPr/>
+        <p:txBody>
+          <a:bodyPr/>
+          <a:lstStyle/>
+          <a:p>
+            <a:endParaRPr lang="en-US"/>
+          </a:p>
+        </p:txBody>
+      </p:sp>
+      <p:sp>
+        <p:nvSpPr>
+          <p:cNvPr id="4" name="Slide Number Placeholder 3"/>
           <p:cNvSpPr>
             <a:spLocks noGrp="1"/>
           </p:cNvSpPr>
@@ -9805,7 +10056,7 @@
     </p:spTree>
     <p:extLst>
       <p:ext uri="{BB962C8B-B14F-4D97-AF65-F5344CB8AC3E}">
-        <p14:creationId xmlns:p14="http://schemas.microsoft.com/office/powerpoint/2010/main" val="480497734"/>
+        <p14:creationId xmlns:p14="http://schemas.microsoft.com/office/powerpoint/2010/main" val="1780362855"/>
       </p:ext>
     </p:extLst>
   </p:cSld>

--- a/docs/SE420_Sverdrup_Leffler_DiPinto_Velarde.pptx
+++ b/docs/SE420_Sverdrup_Leffler_DiPinto_Velarde.pptx
@@ -136,6 +136,11 @@
       </a:defRPr>
     </a:lvl9pPr>
   </p:defaultTextStyle>
+  <p:extLst>
+    <p:ext uri="{EFAFB233-063F-42B5-8137-9DF3F51BA10A}">
+      <p15:sldGuideLst xmlns:p15="http://schemas.microsoft.com/office/powerpoint/2012/main"/>
+    </p:ext>
+  </p:extLst>
 </p:presentation>
 </file>
 
@@ -221,7 +226,7 @@
           <a:p>
             <a:fld id="{E0C2332A-3EFF-7F42-B998-4AA72C1009B9}" type="datetimeFigureOut">
               <a:rPr lang="en-US" smtClean="0"/>
-              <a:t>4/30/17</a:t>
+              <a:t>5/1/17</a:t>
             </a:fld>
             <a:endParaRPr lang="en-US"/>
           </a:p>
@@ -1048,7 +1053,7 @@
           <a:p>
             <a:fld id="{3A3CEB3C-9498-DF43-A5FD-B3162F3BAB8F}" type="datetime1">
               <a:rPr lang="en-US" smtClean="0"/>
-              <a:t>4/30/17</a:t>
+              <a:t>5/1/17</a:t>
             </a:fld>
             <a:endParaRPr lang="en-US"/>
           </a:p>
@@ -1479,7 +1484,7 @@
           <a:p>
             <a:fld id="{4EF4E0A6-81D4-BD49-92E2-4B4EE7374950}" type="datetime1">
               <a:rPr lang="en-US" smtClean="0"/>
-              <a:t>4/30/17</a:t>
+              <a:t>5/1/17</a:t>
             </a:fld>
             <a:endParaRPr lang="en-US"/>
           </a:p>
@@ -1724,7 +1729,7 @@
           <a:p>
             <a:fld id="{BE4DB589-DCEB-DD41-848D-301AD793CB51}" type="datetime1">
               <a:rPr lang="en-US" smtClean="0"/>
-              <a:t>4/30/17</a:t>
+              <a:t>5/1/17</a:t>
             </a:fld>
             <a:endParaRPr lang="en-US"/>
           </a:p>
@@ -2027,7 +2032,7 @@
           <a:p>
             <a:fld id="{AF42A67E-B481-2543-87C3-105D9E314B6C}" type="datetime1">
               <a:rPr lang="en-US" smtClean="0"/>
-              <a:t>4/30/17</a:t>
+              <a:t>5/1/17</a:t>
             </a:fld>
             <a:endParaRPr lang="en-US"/>
           </a:p>
@@ -2340,7 +2345,7 @@
           <a:p>
             <a:fld id="{0164B5F7-72FA-6843-94B9-0E7CD01C3DC3}" type="datetime1">
               <a:rPr lang="en-US" smtClean="0"/>
-              <a:t>4/30/17</a:t>
+              <a:t>5/1/17</a:t>
             </a:fld>
             <a:endParaRPr lang="en-US"/>
           </a:p>
@@ -2637,7 +2642,7 @@
           <a:p>
             <a:fld id="{0139C4F1-A3D2-5E4D-AB49-4A5469E973B9}" type="datetime1">
               <a:rPr lang="en-US" smtClean="0"/>
-              <a:t>4/30/17</a:t>
+              <a:t>5/1/17</a:t>
             </a:fld>
             <a:endParaRPr lang="en-US"/>
           </a:p>
@@ -2999,7 +3004,7 @@
           <a:p>
             <a:fld id="{98F0BDA8-8E52-6C4F-92A3-5BDE950770BA}" type="datetime1">
               <a:rPr lang="en-US" smtClean="0"/>
-              <a:t>4/30/17</a:t>
+              <a:t>5/1/17</a:t>
             </a:fld>
             <a:endParaRPr lang="en-US"/>
           </a:p>
@@ -3168,7 +3173,7 @@
           <a:p>
             <a:fld id="{3AC377A7-A65D-F144-A413-811E16B2388E}" type="datetime1">
               <a:rPr lang="en-US" smtClean="0"/>
-              <a:t>4/30/17</a:t>
+              <a:t>5/1/17</a:t>
             </a:fld>
             <a:endParaRPr lang="en-US"/>
           </a:p>
@@ -3343,7 +3348,7 @@
           <a:p>
             <a:fld id="{33486B23-0C94-2E41-B31B-71C6D7D0E774}" type="datetime1">
               <a:rPr lang="en-US" smtClean="0"/>
-              <a:t>4/30/17</a:t>
+              <a:t>5/1/17</a:t>
             </a:fld>
             <a:endParaRPr lang="en-US"/>
           </a:p>
@@ -3508,7 +3513,7 @@
           <a:p>
             <a:fld id="{942218A7-6B17-3B4F-8060-74980E591FAE}" type="datetime1">
               <a:rPr lang="en-US" smtClean="0"/>
-              <a:t>4/30/17</a:t>
+              <a:t>5/1/17</a:t>
             </a:fld>
             <a:endParaRPr lang="en-US"/>
           </a:p>
@@ -3753,7 +3758,7 @@
           <a:p>
             <a:fld id="{D21D5111-D039-1049-BB17-95C1A62BBA70}" type="datetime1">
               <a:rPr lang="en-US" smtClean="0"/>
-              <a:t>4/30/17</a:t>
+              <a:t>5/1/17</a:t>
             </a:fld>
             <a:endParaRPr lang="en-US"/>
           </a:p>
@@ -3984,7 +3989,7 @@
           <a:p>
             <a:fld id="{4DB9F648-5C83-1941-B685-9619923FC89E}" type="datetime1">
               <a:rPr lang="en-US" smtClean="0"/>
-              <a:t>4/30/17</a:t>
+              <a:t>5/1/17</a:t>
             </a:fld>
             <a:endParaRPr lang="en-US"/>
           </a:p>
@@ -4361,7 +4366,7 @@
           <a:p>
             <a:fld id="{FC5A5296-7B0F-7D41-8721-1D642C04C594}" type="datetime1">
               <a:rPr lang="en-US" smtClean="0"/>
-              <a:t>4/30/17</a:t>
+              <a:t>5/1/17</a:t>
             </a:fld>
             <a:endParaRPr lang="en-US"/>
           </a:p>
@@ -4474,7 +4479,7 @@
           <a:p>
             <a:fld id="{D709B288-F874-C049-AEBD-3F549745594E}" type="datetime1">
               <a:rPr lang="en-US" smtClean="0"/>
-              <a:t>4/30/17</a:t>
+              <a:t>5/1/17</a:t>
             </a:fld>
             <a:endParaRPr lang="en-US"/>
           </a:p>
@@ -4564,7 +4569,7 @@
           <a:p>
             <a:fld id="{07E671E7-E04A-EB4E-ACD5-AEEE2CA4193C}" type="datetime1">
               <a:rPr lang="en-US" smtClean="0"/>
-              <a:t>4/30/17</a:t>
+              <a:t>5/1/17</a:t>
             </a:fld>
             <a:endParaRPr lang="en-US"/>
           </a:p>
@@ -4814,7 +4819,7 @@
           <a:p>
             <a:fld id="{34A79E5A-8A77-5140-BDE3-D1858FCE427D}" type="datetime1">
               <a:rPr lang="en-US" smtClean="0"/>
-              <a:t>4/30/17</a:t>
+              <a:t>5/1/17</a:t>
             </a:fld>
             <a:endParaRPr lang="en-US"/>
           </a:p>
@@ -5092,7 +5097,7 @@
           <a:p>
             <a:fld id="{FB7EA56C-83FC-734E-B637-1DA9786C89B4}" type="datetime1">
               <a:rPr lang="en-US" smtClean="0"/>
-              <a:t>4/30/17</a:t>
+              <a:t>5/1/17</a:t>
             </a:fld>
             <a:endParaRPr lang="en-US"/>
           </a:p>
@@ -5493,7 +5498,7 @@
           <a:p>
             <a:fld id="{5C7EC113-5028-5C4B-AAA6-ADAADC0359E1}" type="datetime1">
               <a:rPr lang="en-US" smtClean="0"/>
-              <a:t>4/30/17</a:t>
+              <a:t>5/1/17</a:t>
             </a:fld>
             <a:endParaRPr lang="en-US"/>
           </a:p>
@@ -6138,7 +6143,12 @@
             <p:ph type="title"/>
           </p:nvPr>
         </p:nvSpPr>
-        <p:spPr/>
+        <p:spPr>
+          <a:xfrm>
+            <a:off x="0" y="5472113"/>
+            <a:ext cx="7858125" cy="1194857"/>
+          </a:xfrm>
+        </p:spPr>
         <p:txBody>
           <a:bodyPr/>
           <a:lstStyle/>
@@ -6150,25 +6160,35 @@
           </a:p>
         </p:txBody>
       </p:sp>
-      <p:sp>
-        <p:nvSpPr>
-          <p:cNvPr id="3" name="Content Placeholder 2"/>
-          <p:cNvSpPr>
-            <a:spLocks noGrp="1"/>
-          </p:cNvSpPr>
+      <p:pic>
+        <p:nvPicPr>
+          <p:cNvPr id="5" name="Content Placeholder 4"/>
+          <p:cNvPicPr>
+            <a:picLocks noGrp="1" noChangeAspect="1"/>
+          </p:cNvPicPr>
           <p:nvPr>
             <p:ph idx="1"/>
           </p:nvPr>
-        </p:nvSpPr>
-        <p:spPr/>
-        <p:txBody>
-          <a:bodyPr/>
-          <a:lstStyle/>
-          <a:p>
-            <a:endParaRPr lang="en-US"/>
-          </a:p>
-        </p:txBody>
-      </p:sp>
+        </p:nvPicPr>
+        <p:blipFill>
+          <a:blip r:embed="rId2">
+            <a:extLst>
+              <a:ext uri="{28A0092B-C50C-407E-A947-70E740481C1C}">
+                <a14:useLocalDpi xmlns:a14="http://schemas.microsoft.com/office/drawing/2010/main" val="0"/>
+              </a:ext>
+            </a:extLst>
+          </a:blip>
+          <a:stretch>
+            <a:fillRect/>
+          </a:stretch>
+        </p:blipFill>
+        <p:spPr>
+          <a:xfrm>
+            <a:off x="241637" y="285749"/>
+            <a:ext cx="7745076" cy="5335089"/>
+          </a:xfrm>
+        </p:spPr>
+      </p:pic>
       <p:sp>
         <p:nvSpPr>
           <p:cNvPr id="4" name="Slide Number Placeholder 3"/>
@@ -6192,6 +6212,71 @@
           </a:p>
         </p:txBody>
       </p:sp>
+      <p:pic>
+        <p:nvPicPr>
+          <p:cNvPr id="6" name="Picture 5"/>
+          <p:cNvPicPr>
+            <a:picLocks noChangeAspect="1"/>
+          </p:cNvPicPr>
+          <p:nvPr/>
+        </p:nvPicPr>
+        <p:blipFill>
+          <a:blip r:embed="rId3">
+            <a:extLst>
+              <a:ext uri="{28A0092B-C50C-407E-A947-70E740481C1C}">
+                <a14:useLocalDpi xmlns:a14="http://schemas.microsoft.com/office/drawing/2010/main" val="0"/>
+              </a:ext>
+            </a:extLst>
+          </a:blip>
+          <a:stretch>
+            <a:fillRect/>
+          </a:stretch>
+        </p:blipFill>
+        <p:spPr>
+          <a:xfrm>
+            <a:off x="8043863" y="285749"/>
+            <a:ext cx="3714836" cy="2454275"/>
+          </a:xfrm>
+          <a:prstGeom prst="rect">
+            <a:avLst/>
+          </a:prstGeom>
+        </p:spPr>
+      </p:pic>
+      <p:pic>
+        <p:nvPicPr>
+          <p:cNvPr id="7" name="Picture 6"/>
+          <p:cNvPicPr>
+            <a:picLocks noChangeAspect="1"/>
+          </p:cNvPicPr>
+          <p:nvPr/>
+        </p:nvPicPr>
+        <p:blipFill>
+          <a:blip r:embed="rId4">
+            <a:extLst>
+              <a:ext uri="{28A0092B-C50C-407E-A947-70E740481C1C}">
+                <a14:useLocalDpi xmlns:a14="http://schemas.microsoft.com/office/drawing/2010/main" val="0"/>
+              </a:ext>
+            </a:extLst>
+          </a:blip>
+          <a:stretch>
+            <a:fillRect/>
+          </a:stretch>
+        </p:blipFill>
+        <p:spPr>
+          <a:xfrm>
+            <a:off x="5029200" y="3669450"/>
+            <a:ext cx="6834187" cy="559650"/>
+          </a:xfrm>
+          <a:prstGeom prst="rect">
+            <a:avLst/>
+          </a:prstGeom>
+          <a:ln>
+            <a:solidFill>
+              <a:schemeClr val="bg1"/>
+            </a:solidFill>
+          </a:ln>
+        </p:spPr>
+      </p:pic>
     </p:spTree>
     <p:extLst>
       <p:ext uri="{BB962C8B-B14F-4D97-AF65-F5344CB8AC3E}">
@@ -6232,7 +6317,12 @@
             <p:ph type="title"/>
           </p:nvPr>
         </p:nvSpPr>
-        <p:spPr/>
+        <p:spPr>
+          <a:xfrm>
+            <a:off x="126999" y="5058832"/>
+            <a:ext cx="8534400" cy="1507067"/>
+          </a:xfrm>
+        </p:spPr>
         <p:txBody>
           <a:bodyPr/>
           <a:lstStyle/>
@@ -6244,25 +6334,35 @@
           </a:p>
         </p:txBody>
       </p:sp>
-      <p:sp>
-        <p:nvSpPr>
-          <p:cNvPr id="3" name="Content Placeholder 2"/>
-          <p:cNvSpPr>
-            <a:spLocks noGrp="1"/>
-          </p:cNvSpPr>
+      <p:pic>
+        <p:nvPicPr>
+          <p:cNvPr id="5" name="Content Placeholder 4"/>
+          <p:cNvPicPr>
+            <a:picLocks noGrp="1" noChangeAspect="1"/>
+          </p:cNvPicPr>
           <p:nvPr>
             <p:ph idx="1"/>
           </p:nvPr>
-        </p:nvSpPr>
-        <p:spPr/>
-        <p:txBody>
-          <a:bodyPr/>
-          <a:lstStyle/>
-          <a:p>
-            <a:endParaRPr lang="en-US"/>
-          </a:p>
-        </p:txBody>
-      </p:sp>
+        </p:nvPicPr>
+        <p:blipFill>
+          <a:blip r:embed="rId2">
+            <a:extLst>
+              <a:ext uri="{28A0092B-C50C-407E-A947-70E740481C1C}">
+                <a14:useLocalDpi xmlns:a14="http://schemas.microsoft.com/office/drawing/2010/main" val="0"/>
+              </a:ext>
+            </a:extLst>
+          </a:blip>
+          <a:stretch>
+            <a:fillRect/>
+          </a:stretch>
+        </p:blipFill>
+        <p:spPr>
+          <a:xfrm>
+            <a:off x="349412" y="147727"/>
+            <a:ext cx="8311987" cy="4911105"/>
+          </a:xfrm>
+        </p:spPr>
+      </p:pic>
       <p:sp>
         <p:nvSpPr>
           <p:cNvPr id="4" name="Slide Number Placeholder 3"/>

--- a/docs/SE420_Sverdrup_Leffler_DiPinto_Velarde.pptx
+++ b/docs/SE420_Sverdrup_Leffler_DiPinto_Velarde.pptx
@@ -6185,7 +6185,7 @@
         <p:spPr>
           <a:xfrm>
             <a:off x="241637" y="285749"/>
-            <a:ext cx="7745076" cy="5335089"/>
+            <a:ext cx="6637283" cy="4572001"/>
           </a:xfrm>
         </p:spPr>
       </p:pic>
@@ -6264,7 +6264,7 @@
         </p:blipFill>
         <p:spPr>
           <a:xfrm>
-            <a:off x="5029200" y="3669450"/>
+            <a:off x="241637" y="5018990"/>
             <a:ext cx="6834187" cy="559650"/>
           </a:xfrm>
           <a:prstGeom prst="rect">
@@ -6277,6 +6277,60 @@
           </a:ln>
         </p:spPr>
       </p:pic>
+      <p:sp>
+        <p:nvSpPr>
+          <p:cNvPr id="3" name="TextBox 2"/>
+          <p:cNvSpPr txBox="1"/>
+          <p:nvPr/>
+        </p:nvSpPr>
+        <p:spPr>
+          <a:xfrm>
+            <a:off x="6878920" y="3137877"/>
+            <a:ext cx="5153525" cy="1200329"/>
+          </a:xfrm>
+          <a:prstGeom prst="rect">
+            <a:avLst/>
+          </a:prstGeom>
+          <a:noFill/>
+        </p:spPr>
+        <p:txBody>
+          <a:bodyPr wrap="square" rtlCol="0">
+            <a:spAutoFit/>
+          </a:bodyPr>
+          <a:lstStyle/>
+          <a:p>
+            <a:pPr marL="285750" indent="-285750">
+              <a:buFont typeface="Arial" charset="0"/>
+              <a:buChar char="•"/>
+            </a:pPr>
+            <a:r>
+              <a:rPr lang="en-US" dirty="0" smtClean="0"/>
+              <a:t>Examine behavior of integrated modules</a:t>
+            </a:r>
+          </a:p>
+          <a:p>
+            <a:pPr marL="285750" indent="-285750">
+              <a:buFont typeface="Arial" charset="0"/>
+              <a:buChar char="•"/>
+            </a:pPr>
+            <a:r>
+              <a:rPr lang="en-US" dirty="0" smtClean="0"/>
+              <a:t>Perform fault injection</a:t>
+            </a:r>
+          </a:p>
+          <a:p>
+            <a:pPr marL="285750" indent="-285750">
+              <a:buFont typeface="Arial" charset="0"/>
+              <a:buChar char="•"/>
+            </a:pPr>
+            <a:r>
+              <a:rPr lang="en-US" dirty="0" smtClean="0"/>
+              <a:t>Increase code coverage not covered during unit tests</a:t>
+            </a:r>
+            <a:endParaRPr lang="en-US" dirty="0"/>
+          </a:p>
+        </p:txBody>
+      </p:sp>
     </p:spTree>
     <p:extLst>
       <p:ext uri="{BB962C8B-B14F-4D97-AF65-F5344CB8AC3E}">

--- a/docs/SE420_Sverdrup_Leffler_DiPinto_Velarde.pptx
+++ b/docs/SE420_Sverdrup_Leffler_DiPinto_Velarde.pptx
@@ -226,7 +226,7 @@
           <a:p>
             <a:fld id="{E0C2332A-3EFF-7F42-B998-4AA72C1009B9}" type="datetimeFigureOut">
               <a:rPr lang="en-US" smtClean="0"/>
-              <a:t>5/1/17</a:t>
+              <a:t>5/2/17</a:t>
             </a:fld>
             <a:endParaRPr lang="en-US"/>
           </a:p>
@@ -646,7 +646,19 @@
           <a:bodyPr/>
           <a:lstStyle/>
           <a:p>
-            <a:endParaRPr lang="en-US"/>
+            <a:r>
+              <a:rPr lang="is-IS" sz="1200" b="0" i="0" kern="1200" dirty="0" smtClean="0">
+                <a:solidFill>
+                  <a:schemeClr val="tx1"/>
+                </a:solidFill>
+                <a:effectLst/>
+                <a:latin typeface="+mn-lt"/>
+                <a:ea typeface="+mn-ea"/>
+                <a:cs typeface="+mn-cs"/>
+              </a:rPr>
+              <a:t>Ubuntu 12.04</a:t>
+            </a:r>
+            <a:endParaRPr lang="en-US" dirty="0"/>
           </a:p>
         </p:txBody>
       </p:sp>
@@ -822,6 +834,98 @@
           <a:bodyPr/>
           <a:lstStyle/>
           <a:p>
+            <a:r>
+              <a:rPr lang="en-US" dirty="0" smtClean="0"/>
+              <a:t>3, 44,</a:t>
+            </a:r>
+            <a:r>
+              <a:rPr lang="en-US" baseline="0" dirty="0" smtClean="0"/>
+              <a:t> 12</a:t>
+            </a:r>
+            <a:endParaRPr lang="en-US" dirty="0"/>
+          </a:p>
+        </p:txBody>
+      </p:sp>
+      <p:sp>
+        <p:nvSpPr>
+          <p:cNvPr id="4" name="Slide Number Placeholder 3"/>
+          <p:cNvSpPr>
+            <a:spLocks noGrp="1"/>
+          </p:cNvSpPr>
+          <p:nvPr>
+            <p:ph type="sldNum" sz="quarter" idx="10"/>
+          </p:nvPr>
+        </p:nvSpPr>
+        <p:spPr/>
+        <p:txBody>
+          <a:bodyPr/>
+          <a:lstStyle/>
+          <a:p>
+            <a:fld id="{93F2E513-C545-534F-9383-9C27F821AB42}" type="slidenum">
+              <a:rPr lang="en-US" smtClean="0"/>
+              <a:t>23</a:t>
+            </a:fld>
+            <a:endParaRPr lang="en-US"/>
+          </a:p>
+        </p:txBody>
+      </p:sp>
+    </p:spTree>
+    <p:extLst>
+      <p:ext uri="{BB962C8B-B14F-4D97-AF65-F5344CB8AC3E}">
+        <p14:creationId xmlns:p14="http://schemas.microsoft.com/office/powerpoint/2010/main" val="1937701100"/>
+      </p:ext>
+    </p:extLst>
+  </p:cSld>
+  <p:clrMapOvr>
+    <a:masterClrMapping/>
+  </p:clrMapOvr>
+</p:notes>
+</file>
+
+<file path=ppt/notesSlides/notesSlide5.xml><?xml version="1.0" encoding="utf-8"?>
+<p:notes xmlns:a="http://schemas.openxmlformats.org/drawingml/2006/main" xmlns:r="http://schemas.openxmlformats.org/officeDocument/2006/relationships" xmlns:p="http://schemas.openxmlformats.org/presentationml/2006/main">
+  <p:cSld>
+    <p:spTree>
+      <p:nvGrpSpPr>
+        <p:cNvPr id="1" name=""/>
+        <p:cNvGrpSpPr/>
+        <p:nvPr/>
+      </p:nvGrpSpPr>
+      <p:grpSpPr>
+        <a:xfrm>
+          <a:off x="0" y="0"/>
+          <a:ext cx="0" cy="0"/>
+          <a:chOff x="0" y="0"/>
+          <a:chExt cx="0" cy="0"/>
+        </a:xfrm>
+      </p:grpSpPr>
+      <p:sp>
+        <p:nvSpPr>
+          <p:cNvPr id="2" name="Slide Image Placeholder 1"/>
+          <p:cNvSpPr>
+            <a:spLocks noGrp="1" noRot="1" noChangeAspect="1"/>
+          </p:cNvSpPr>
+          <p:nvPr>
+            <p:ph type="sldImg"/>
+          </p:nvPr>
+        </p:nvSpPr>
+        <p:spPr/>
+      </p:sp>
+      <p:sp>
+        <p:nvSpPr>
+          <p:cNvPr id="3" name="Notes Placeholder 2"/>
+          <p:cNvSpPr>
+            <a:spLocks noGrp="1"/>
+          </p:cNvSpPr>
+          <p:nvPr>
+            <p:ph type="body" idx="1"/>
+          </p:nvPr>
+        </p:nvSpPr>
+        <p:spPr/>
+        <p:txBody>
+          <a:bodyPr/>
+          <a:lstStyle/>
+          <a:p>
             <a:endParaRPr lang="en-US" dirty="0"/>
           </a:p>
         </p:txBody>
@@ -1053,7 +1157,7 @@
           <a:p>
             <a:fld id="{3A3CEB3C-9498-DF43-A5FD-B3162F3BAB8F}" type="datetime1">
               <a:rPr lang="en-US" smtClean="0"/>
-              <a:t>5/1/17</a:t>
+              <a:t>5/2/17</a:t>
             </a:fld>
             <a:endParaRPr lang="en-US"/>
           </a:p>
@@ -1484,7 +1588,7 @@
           <a:p>
             <a:fld id="{4EF4E0A6-81D4-BD49-92E2-4B4EE7374950}" type="datetime1">
               <a:rPr lang="en-US" smtClean="0"/>
-              <a:t>5/1/17</a:t>
+              <a:t>5/2/17</a:t>
             </a:fld>
             <a:endParaRPr lang="en-US"/>
           </a:p>
@@ -1729,7 +1833,7 @@
           <a:p>
             <a:fld id="{BE4DB589-DCEB-DD41-848D-301AD793CB51}" type="datetime1">
               <a:rPr lang="en-US" smtClean="0"/>
-              <a:t>5/1/17</a:t>
+              <a:t>5/2/17</a:t>
             </a:fld>
             <a:endParaRPr lang="en-US"/>
           </a:p>
@@ -2032,7 +2136,7 @@
           <a:p>
             <a:fld id="{AF42A67E-B481-2543-87C3-105D9E314B6C}" type="datetime1">
               <a:rPr lang="en-US" smtClean="0"/>
-              <a:t>5/1/17</a:t>
+              <a:t>5/2/17</a:t>
             </a:fld>
             <a:endParaRPr lang="en-US"/>
           </a:p>
@@ -2345,7 +2449,7 @@
           <a:p>
             <a:fld id="{0164B5F7-72FA-6843-94B9-0E7CD01C3DC3}" type="datetime1">
               <a:rPr lang="en-US" smtClean="0"/>
-              <a:t>5/1/17</a:t>
+              <a:t>5/2/17</a:t>
             </a:fld>
             <a:endParaRPr lang="en-US"/>
           </a:p>
@@ -2642,7 +2746,7 @@
           <a:p>
             <a:fld id="{0139C4F1-A3D2-5E4D-AB49-4A5469E973B9}" type="datetime1">
               <a:rPr lang="en-US" smtClean="0"/>
-              <a:t>5/1/17</a:t>
+              <a:t>5/2/17</a:t>
             </a:fld>
             <a:endParaRPr lang="en-US"/>
           </a:p>
@@ -3004,7 +3108,7 @@
           <a:p>
             <a:fld id="{98F0BDA8-8E52-6C4F-92A3-5BDE950770BA}" type="datetime1">
               <a:rPr lang="en-US" smtClean="0"/>
-              <a:t>5/1/17</a:t>
+              <a:t>5/2/17</a:t>
             </a:fld>
             <a:endParaRPr lang="en-US"/>
           </a:p>
@@ -3173,7 +3277,7 @@
           <a:p>
             <a:fld id="{3AC377A7-A65D-F144-A413-811E16B2388E}" type="datetime1">
               <a:rPr lang="en-US" smtClean="0"/>
-              <a:t>5/1/17</a:t>
+              <a:t>5/2/17</a:t>
             </a:fld>
             <a:endParaRPr lang="en-US"/>
           </a:p>
@@ -3348,7 +3452,7 @@
           <a:p>
             <a:fld id="{33486B23-0C94-2E41-B31B-71C6D7D0E774}" type="datetime1">
               <a:rPr lang="en-US" smtClean="0"/>
-              <a:t>5/1/17</a:t>
+              <a:t>5/2/17</a:t>
             </a:fld>
             <a:endParaRPr lang="en-US"/>
           </a:p>
@@ -3513,7 +3617,7 @@
           <a:p>
             <a:fld id="{942218A7-6B17-3B4F-8060-74980E591FAE}" type="datetime1">
               <a:rPr lang="en-US" smtClean="0"/>
-              <a:t>5/1/17</a:t>
+              <a:t>5/2/17</a:t>
             </a:fld>
             <a:endParaRPr lang="en-US"/>
           </a:p>
@@ -3758,7 +3862,7 @@
           <a:p>
             <a:fld id="{D21D5111-D039-1049-BB17-95C1A62BBA70}" type="datetime1">
               <a:rPr lang="en-US" smtClean="0"/>
-              <a:t>5/1/17</a:t>
+              <a:t>5/2/17</a:t>
             </a:fld>
             <a:endParaRPr lang="en-US"/>
           </a:p>
@@ -3989,7 +4093,7 @@
           <a:p>
             <a:fld id="{4DB9F648-5C83-1941-B685-9619923FC89E}" type="datetime1">
               <a:rPr lang="en-US" smtClean="0"/>
-              <a:t>5/1/17</a:t>
+              <a:t>5/2/17</a:t>
             </a:fld>
             <a:endParaRPr lang="en-US"/>
           </a:p>
@@ -4366,7 +4470,7 @@
           <a:p>
             <a:fld id="{FC5A5296-7B0F-7D41-8721-1D642C04C594}" type="datetime1">
               <a:rPr lang="en-US" smtClean="0"/>
-              <a:t>5/1/17</a:t>
+              <a:t>5/2/17</a:t>
             </a:fld>
             <a:endParaRPr lang="en-US"/>
           </a:p>
@@ -4479,7 +4583,7 @@
           <a:p>
             <a:fld id="{D709B288-F874-C049-AEBD-3F549745594E}" type="datetime1">
               <a:rPr lang="en-US" smtClean="0"/>
-              <a:t>5/1/17</a:t>
+              <a:t>5/2/17</a:t>
             </a:fld>
             <a:endParaRPr lang="en-US"/>
           </a:p>
@@ -4569,7 +4673,7 @@
           <a:p>
             <a:fld id="{07E671E7-E04A-EB4E-ACD5-AEEE2CA4193C}" type="datetime1">
               <a:rPr lang="en-US" smtClean="0"/>
-              <a:t>5/1/17</a:t>
+              <a:t>5/2/17</a:t>
             </a:fld>
             <a:endParaRPr lang="en-US"/>
           </a:p>
@@ -4819,7 +4923,7 @@
           <a:p>
             <a:fld id="{34A79E5A-8A77-5140-BDE3-D1858FCE427D}" type="datetime1">
               <a:rPr lang="en-US" smtClean="0"/>
-              <a:t>5/1/17</a:t>
+              <a:t>5/2/17</a:t>
             </a:fld>
             <a:endParaRPr lang="en-US"/>
           </a:p>
@@ -5097,7 +5201,7 @@
           <a:p>
             <a:fld id="{FB7EA56C-83FC-734E-B637-1DA9786C89B4}" type="datetime1">
               <a:rPr lang="en-US" smtClean="0"/>
-              <a:t>5/1/17</a:t>
+              <a:t>5/2/17</a:t>
             </a:fld>
             <a:endParaRPr lang="en-US"/>
           </a:p>
@@ -5498,7 +5602,7 @@
           <a:p>
             <a:fld id="{5C7EC113-5028-5C4B-AAA6-ADAADC0359E1}" type="datetime1">
               <a:rPr lang="en-US" smtClean="0"/>
-              <a:t>5/1/17</a:t>
+              <a:t>5/2/17</a:t>
             </a:fld>
             <a:endParaRPr lang="en-US"/>
           </a:p>
@@ -6145,7 +6249,7 @@
         </p:nvSpPr>
         <p:spPr>
           <a:xfrm>
-            <a:off x="0" y="5472113"/>
+            <a:off x="0" y="5913437"/>
             <a:ext cx="7858125" cy="1194857"/>
           </a:xfrm>
         </p:spPr>
@@ -6184,7 +6288,7 @@
         </p:blipFill>
         <p:spPr>
           <a:xfrm>
-            <a:off x="241637" y="285749"/>
+            <a:off x="0" y="0"/>
             <a:ext cx="6637283" cy="4572001"/>
           </a:xfrm>
         </p:spPr>
@@ -6234,8 +6338,8 @@
         </p:blipFill>
         <p:spPr>
           <a:xfrm>
-            <a:off x="8043863" y="285749"/>
-            <a:ext cx="3714836" cy="2454275"/>
+            <a:off x="6785204" y="-519"/>
+            <a:ext cx="5406796" cy="3572099"/>
           </a:xfrm>
           <a:prstGeom prst="rect">
             <a:avLst/>
@@ -6264,8 +6368,8 @@
         </p:blipFill>
         <p:spPr>
           <a:xfrm>
-            <a:off x="241637" y="5018990"/>
-            <a:ext cx="6834187" cy="559650"/>
+            <a:off x="141624" y="5225174"/>
+            <a:ext cx="8628697" cy="706602"/>
           </a:xfrm>
           <a:prstGeom prst="rect">
             <a:avLst/>
@@ -6285,7 +6389,7 @@
         </p:nvSpPr>
         <p:spPr>
           <a:xfrm>
-            <a:off x="6878920" y="3137877"/>
+            <a:off x="6785204" y="3768812"/>
             <a:ext cx="5153525" cy="1200329"/>
           </a:xfrm>
           <a:prstGeom prst="rect">
@@ -6412,8 +6516,8 @@
         </p:blipFill>
         <p:spPr>
           <a:xfrm>
-            <a:off x="349412" y="147727"/>
-            <a:ext cx="8311987" cy="4911105"/>
+            <a:off x="-1" y="0"/>
+            <a:ext cx="8661399" cy="5117554"/>
           </a:xfrm>
         </p:spPr>
       </p:pic>
@@ -7041,7 +7145,7 @@
           <a:p>
             <a:r>
               <a:rPr lang="en-US" dirty="0" smtClean="0"/>
-              <a:t>Workflow</a:t>
+              <a:t>Process/Workflow</a:t>
             </a:r>
             <a:endParaRPr lang="en-US" dirty="0"/>
           </a:p>
@@ -7924,13 +8028,13 @@
         </p:nvSpPr>
         <p:spPr>
           <a:xfrm>
-            <a:off x="381000" y="209286"/>
-            <a:ext cx="11582400" cy="5159903"/>
+            <a:off x="214313" y="0"/>
+            <a:ext cx="11749087" cy="5369189"/>
           </a:xfrm>
         </p:spPr>
         <p:txBody>
           <a:bodyPr>
-            <a:normAutofit/>
+            <a:normAutofit lnSpcReduction="10000"/>
           </a:bodyPr>
           <a:lstStyle/>
           <a:p>
@@ -8039,9 +8143,19 @@
             <a:pPr lvl="1"/>
             <a:r>
               <a:rPr lang="en-US" dirty="0" smtClean="0"/>
-              <a:t>Code written but not yet integrated due to complexity</a:t>
+              <a:t>Code written but not yet integrated due to </a:t>
+            </a:r>
+            <a:r>
+              <a:rPr lang="en-US" dirty="0" smtClean="0"/>
+              <a:t>complexity</a:t>
             </a:r>
             <a:endParaRPr lang="en-US" dirty="0"/>
+          </a:p>
+          <a:p>
+            <a:r>
+              <a:rPr lang="en-US" dirty="0" smtClean="0"/>
+              <a:t>ICS File support not fully implemented and tested</a:t>
+            </a:r>
           </a:p>
         </p:txBody>
       </p:sp>
@@ -8286,7 +8400,7 @@
         </p:nvSpPr>
         <p:spPr>
           <a:xfrm>
-            <a:off x="684211" y="5494866"/>
+            <a:off x="684211" y="5037666"/>
             <a:ext cx="8534400" cy="1507067"/>
           </a:xfrm>
         </p:spPr>
@@ -8314,7 +8428,7 @@
         </p:nvSpPr>
         <p:spPr>
           <a:xfrm>
-            <a:off x="684211" y="685800"/>
+            <a:off x="684211" y="0"/>
             <a:ext cx="10502901" cy="5242560"/>
           </a:xfrm>
         </p:spPr>
@@ -10177,9 +10291,77 @@
         </p:nvSpPr>
         <p:spPr/>
         <p:txBody>
-          <a:bodyPr/>
-          <a:lstStyle/>
-          <a:p>
+          <a:bodyPr>
+            <a:normAutofit fontScale="92500" lnSpcReduction="20000"/>
+          </a:bodyPr>
+          <a:lstStyle/>
+          <a:p>
+            <a:r>
+              <a:rPr lang="en-US" dirty="0"/>
+              <a:t>Events</a:t>
+            </a:r>
+          </a:p>
+          <a:p>
+            <a:pPr lvl="1"/>
+            <a:r>
+              <a:rPr lang="en-US" dirty="0"/>
+              <a:t>This test will be performed by writing a test script to add an event various events to the database and verifying that the event can be located within the database. </a:t>
+            </a:r>
+          </a:p>
+          <a:p>
+            <a:pPr lvl="1"/>
+            <a:r>
+              <a:rPr lang="en-US" dirty="0"/>
+              <a:t>This test will be performed by writing a test script to remove various events from the database and verifying that they have been removed. </a:t>
+            </a:r>
+          </a:p>
+          <a:p>
+            <a:r>
+              <a:rPr lang="en-US" dirty="0"/>
+              <a:t>ICS File</a:t>
+            </a:r>
+          </a:p>
+          <a:p>
+            <a:pPr lvl="1"/>
+            <a:r>
+              <a:rPr lang="en-US" dirty="0"/>
+              <a:t>This test will be performed by writing a test script to import events from an </a:t>
+            </a:r>
+            <a:r>
+              <a:rPr lang="en-US" dirty="0" err="1"/>
+              <a:t>ics</a:t>
+            </a:r>
+            <a:r>
+              <a:rPr lang="en-US" dirty="0"/>
+              <a:t> file to the database and verifying that the events can be located within the database. </a:t>
+            </a:r>
+          </a:p>
+          <a:p>
+            <a:pPr lvl="1"/>
+            <a:r>
+              <a:rPr lang="en-US" dirty="0"/>
+              <a:t>This test will be performed by writing a test script to export various events from the database to an </a:t>
+            </a:r>
+            <a:r>
+              <a:rPr lang="en-US" dirty="0" err="1"/>
+              <a:t>ics</a:t>
+            </a:r>
+            <a:r>
+              <a:rPr lang="en-US" dirty="0"/>
+              <a:t> file and verifying that the events have been correctly added to the </a:t>
+            </a:r>
+            <a:r>
+              <a:rPr lang="en-US" dirty="0" err="1"/>
+              <a:t>ics</a:t>
+            </a:r>
+            <a:r>
+              <a:rPr lang="en-US"/>
+              <a:t> file by visual inspection</a:t>
+            </a:r>
+            <a:r>
+              <a:rPr lang="en-US" smtClean="0"/>
+              <a:t>.</a:t>
+            </a:r>
             <a:endParaRPr lang="en-US"/>
           </a:p>
         </p:txBody>
